--- a/GAM320/02/20-21-GAM320-02-Manifesto.pptx
+++ b/GAM320/02/20-21-GAM320-02-Manifesto.pptx
@@ -228,7 +228,7 @@
             <a:fld id="{134C908B-E4CF-4B88-8994-49C91B4DAC10}" type="datetimeFigureOut">
               <a:rPr lang="en-US" smtClean="0"/>
               <a:pPr/>
-              <a:t>9/9/2020</a:t>
+              <a:t>9/11/2020</a:t>
             </a:fld>
             <a:endParaRPr lang="en-US"/>
           </a:p>
@@ -395,7 +395,7 @@
             <a:fld id="{FCD4ED34-E2A7-4A73-B53B-08CB721EE63F}" type="datetimeFigureOut">
               <a:rPr lang="en-US" smtClean="0"/>
               <a:pPr/>
-              <a:t>9/9/2020</a:t>
+              <a:t>9/11/2020</a:t>
             </a:fld>
             <a:endParaRPr lang="en-GB"/>
           </a:p>
@@ -1028,7 +1028,7 @@
             <a:fld id="{24C0EDFE-3590-4448-BF7B-7FB41E82085F}" type="datetimeFigureOut">
               <a:rPr lang="en-US" smtClean="0"/>
               <a:pPr/>
-              <a:t>9/9/2020</a:t>
+              <a:t>9/11/2020</a:t>
             </a:fld>
             <a:endParaRPr lang="en-US" dirty="0"/>
           </a:p>
@@ -1259,7 +1259,7 @@
             <a:fld id="{24C0EDFE-3590-4448-BF7B-7FB41E82085F}" type="datetimeFigureOut">
               <a:rPr lang="en-US" smtClean="0"/>
               <a:pPr/>
-              <a:t>9/9/2020</a:t>
+              <a:t>9/11/2020</a:t>
             </a:fld>
             <a:endParaRPr lang="en-US" dirty="0"/>
           </a:p>
@@ -1625,7 +1625,7 @@
             <a:fld id="{24C0EDFE-3590-4448-BF7B-7FB41E82085F}" type="datetimeFigureOut">
               <a:rPr lang="en-US" smtClean="0"/>
               <a:pPr/>
-              <a:t>9/9/2020</a:t>
+              <a:t>9/11/2020</a:t>
             </a:fld>
             <a:endParaRPr lang="en-US" dirty="0"/>
           </a:p>
@@ -1939,7 +1939,7 @@
             <a:fld id="{24C0EDFE-3590-4448-BF7B-7FB41E82085F}" type="datetimeFigureOut">
               <a:rPr lang="en-US" smtClean="0"/>
               <a:pPr/>
-              <a:t>9/9/2020</a:t>
+              <a:t>9/11/2020</a:t>
             </a:fld>
             <a:endParaRPr lang="en-US" dirty="0"/>
           </a:p>
@@ -2069,7 +2069,7 @@
             <a:fld id="{24C0EDFE-3590-4448-BF7B-7FB41E82085F}" type="datetimeFigureOut">
               <a:rPr lang="en-US" smtClean="0"/>
               <a:pPr/>
-              <a:t>9/9/2020</a:t>
+              <a:t>9/11/2020</a:t>
             </a:fld>
             <a:endParaRPr lang="en-US" dirty="0"/>
           </a:p>
@@ -2161,7 +2161,7 @@
             <a:fld id="{24C0EDFE-3590-4448-BF7B-7FB41E82085F}" type="datetimeFigureOut">
               <a:rPr lang="en-US" smtClean="0"/>
               <a:pPr/>
-              <a:t>9/9/2020</a:t>
+              <a:t>9/11/2020</a:t>
             </a:fld>
             <a:endParaRPr lang="en-US" dirty="0"/>
           </a:p>
@@ -2440,7 +2440,7 @@
             <a:fld id="{24C0EDFE-3590-4448-BF7B-7FB41E82085F}" type="datetimeFigureOut">
               <a:rPr lang="en-US" smtClean="0"/>
               <a:pPr/>
-              <a:t>9/9/2020</a:t>
+              <a:t>9/11/2020</a:t>
             </a:fld>
             <a:endParaRPr lang="en-US" dirty="0"/>
           </a:p>
@@ -2692,7 +2692,7 @@
             <a:fld id="{24C0EDFE-3590-4448-BF7B-7FB41E82085F}" type="datetimeFigureOut">
               <a:rPr lang="en-US" smtClean="0"/>
               <a:pPr/>
-              <a:t>9/9/2020</a:t>
+              <a:t>9/11/2020</a:t>
             </a:fld>
             <a:endParaRPr lang="en-US" dirty="0"/>
           </a:p>
@@ -2869,7 +2869,7 @@
             <a:fld id="{24C0EDFE-3590-4448-BF7B-7FB41E82085F}" type="datetimeFigureOut">
               <a:rPr lang="en-US" smtClean="0"/>
               <a:pPr/>
-              <a:t>9/9/2020</a:t>
+              <a:t>9/11/2020</a:t>
             </a:fld>
             <a:endParaRPr lang="en-US" dirty="0"/>
           </a:p>

--- a/GAM320/02/20-21-GAM320-02-Manifesto.pptx
+++ b/GAM320/02/20-21-GAM320-02-Manifesto.pptx
@@ -5,15 +5,24 @@
     <p:sldMasterId id="2147483648" r:id="rId1"/>
   </p:sldMasterIdLst>
   <p:notesMasterIdLst>
-    <p:notesMasterId r:id="rId5"/>
+    <p:notesMasterId r:id="rId14"/>
   </p:notesMasterIdLst>
   <p:handoutMasterIdLst>
-    <p:handoutMasterId r:id="rId6"/>
+    <p:handoutMasterId r:id="rId15"/>
   </p:handoutMasterIdLst>
   <p:sldIdLst>
     <p:sldId id="257" r:id="rId2"/>
     <p:sldId id="427" r:id="rId3"/>
-    <p:sldId id="430" r:id="rId4"/>
+    <p:sldId id="431" r:id="rId4"/>
+    <p:sldId id="438" r:id="rId5"/>
+    <p:sldId id="437" r:id="rId6"/>
+    <p:sldId id="432" r:id="rId7"/>
+    <p:sldId id="433" r:id="rId8"/>
+    <p:sldId id="439" r:id="rId9"/>
+    <p:sldId id="436" r:id="rId10"/>
+    <p:sldId id="440" r:id="rId11"/>
+    <p:sldId id="441" r:id="rId12"/>
+    <p:sldId id="430" r:id="rId13"/>
   </p:sldIdLst>
   <p:sldSz cx="9144000" cy="6858000" type="screen4x3"/>
   <p:notesSz cx="7315200" cy="9601200"/>
@@ -228,7 +237,7 @@
             <a:fld id="{134C908B-E4CF-4B88-8994-49C91B4DAC10}" type="datetimeFigureOut">
               <a:rPr lang="en-US" smtClean="0"/>
               <a:pPr/>
-              <a:t>9/11/2020</a:t>
+              <a:t>9/24/2020</a:t>
             </a:fld>
             <a:endParaRPr lang="en-US"/>
           </a:p>
@@ -395,7 +404,7 @@
             <a:fld id="{FCD4ED34-E2A7-4A73-B53B-08CB721EE63F}" type="datetimeFigureOut">
               <a:rPr lang="en-US" smtClean="0"/>
               <a:pPr/>
-              <a:t>9/11/2020</a:t>
+              <a:t>9/24/2020</a:t>
             </a:fld>
             <a:endParaRPr lang="en-GB"/>
           </a:p>
@@ -746,6 +755,176 @@
 </p:notes>
 </file>
 
+<file path=ppt/notesSlides/notesSlide10.xml><?xml version="1.0" encoding="utf-8"?>
+<p:notes xmlns:a="http://schemas.openxmlformats.org/drawingml/2006/main" xmlns:r="http://schemas.openxmlformats.org/officeDocument/2006/relationships" xmlns:p="http://schemas.openxmlformats.org/presentationml/2006/main">
+  <p:cSld>
+    <p:spTree>
+      <p:nvGrpSpPr>
+        <p:cNvPr id="1" name=""/>
+        <p:cNvGrpSpPr/>
+        <p:nvPr/>
+      </p:nvGrpSpPr>
+      <p:grpSpPr>
+        <a:xfrm>
+          <a:off x="0" y="0"/>
+          <a:ext cx="0" cy="0"/>
+          <a:chOff x="0" y="0"/>
+          <a:chExt cx="0" cy="0"/>
+        </a:xfrm>
+      </p:grpSpPr>
+      <p:sp>
+        <p:nvSpPr>
+          <p:cNvPr id="2" name="Slide Image Placeholder 1"/>
+          <p:cNvSpPr>
+            <a:spLocks noGrp="1" noRot="1" noChangeAspect="1"/>
+          </p:cNvSpPr>
+          <p:nvPr>
+            <p:ph type="sldImg"/>
+          </p:nvPr>
+        </p:nvSpPr>
+        <p:spPr/>
+      </p:sp>
+      <p:sp>
+        <p:nvSpPr>
+          <p:cNvPr id="3" name="Notes Placeholder 2"/>
+          <p:cNvSpPr>
+            <a:spLocks noGrp="1"/>
+          </p:cNvSpPr>
+          <p:nvPr>
+            <p:ph type="body" idx="1"/>
+          </p:nvPr>
+        </p:nvSpPr>
+        <p:spPr/>
+        <p:txBody>
+          <a:bodyPr/>
+          <a:lstStyle/>
+          <a:p>
+            <a:endParaRPr lang="en-GB"/>
+          </a:p>
+        </p:txBody>
+      </p:sp>
+      <p:sp>
+        <p:nvSpPr>
+          <p:cNvPr id="4" name="Slide Number Placeholder 3"/>
+          <p:cNvSpPr>
+            <a:spLocks noGrp="1"/>
+          </p:cNvSpPr>
+          <p:nvPr>
+            <p:ph type="sldNum" sz="quarter" idx="5"/>
+          </p:nvPr>
+        </p:nvSpPr>
+        <p:spPr/>
+        <p:txBody>
+          <a:bodyPr/>
+          <a:lstStyle/>
+          <a:p>
+            <a:fld id="{C59D3C0C-B4B3-4CD4-8ABD-56A2DBF64D39}" type="slidenum">
+              <a:rPr lang="en-GB" smtClean="0"/>
+              <a:pPr/>
+              <a:t>10</a:t>
+            </a:fld>
+            <a:endParaRPr lang="en-GB"/>
+          </a:p>
+        </p:txBody>
+      </p:sp>
+    </p:spTree>
+    <p:extLst>
+      <p:ext uri="{BB962C8B-B14F-4D97-AF65-F5344CB8AC3E}">
+        <p14:creationId xmlns:p14="http://schemas.microsoft.com/office/powerpoint/2010/main" val="716517731"/>
+      </p:ext>
+    </p:extLst>
+  </p:cSld>
+  <p:clrMapOvr>
+    <a:masterClrMapping/>
+  </p:clrMapOvr>
+</p:notes>
+</file>
+
+<file path=ppt/notesSlides/notesSlide11.xml><?xml version="1.0" encoding="utf-8"?>
+<p:notes xmlns:a="http://schemas.openxmlformats.org/drawingml/2006/main" xmlns:r="http://schemas.openxmlformats.org/officeDocument/2006/relationships" xmlns:p="http://schemas.openxmlformats.org/presentationml/2006/main">
+  <p:cSld>
+    <p:spTree>
+      <p:nvGrpSpPr>
+        <p:cNvPr id="1" name=""/>
+        <p:cNvGrpSpPr/>
+        <p:nvPr/>
+      </p:nvGrpSpPr>
+      <p:grpSpPr>
+        <a:xfrm>
+          <a:off x="0" y="0"/>
+          <a:ext cx="0" cy="0"/>
+          <a:chOff x="0" y="0"/>
+          <a:chExt cx="0" cy="0"/>
+        </a:xfrm>
+      </p:grpSpPr>
+      <p:sp>
+        <p:nvSpPr>
+          <p:cNvPr id="2" name="Slide Image Placeholder 1"/>
+          <p:cNvSpPr>
+            <a:spLocks noGrp="1" noRot="1" noChangeAspect="1"/>
+          </p:cNvSpPr>
+          <p:nvPr>
+            <p:ph type="sldImg"/>
+          </p:nvPr>
+        </p:nvSpPr>
+        <p:spPr/>
+      </p:sp>
+      <p:sp>
+        <p:nvSpPr>
+          <p:cNvPr id="3" name="Notes Placeholder 2"/>
+          <p:cNvSpPr>
+            <a:spLocks noGrp="1"/>
+          </p:cNvSpPr>
+          <p:nvPr>
+            <p:ph type="body" idx="1"/>
+          </p:nvPr>
+        </p:nvSpPr>
+        <p:spPr/>
+        <p:txBody>
+          <a:bodyPr/>
+          <a:lstStyle/>
+          <a:p>
+            <a:endParaRPr lang="en-GB"/>
+          </a:p>
+        </p:txBody>
+      </p:sp>
+      <p:sp>
+        <p:nvSpPr>
+          <p:cNvPr id="4" name="Slide Number Placeholder 3"/>
+          <p:cNvSpPr>
+            <a:spLocks noGrp="1"/>
+          </p:cNvSpPr>
+          <p:nvPr>
+            <p:ph type="sldNum" sz="quarter" idx="5"/>
+          </p:nvPr>
+        </p:nvSpPr>
+        <p:spPr/>
+        <p:txBody>
+          <a:bodyPr/>
+          <a:lstStyle/>
+          <a:p>
+            <a:fld id="{C59D3C0C-B4B3-4CD4-8ABD-56A2DBF64D39}" type="slidenum">
+              <a:rPr lang="en-GB" smtClean="0"/>
+              <a:pPr/>
+              <a:t>11</a:t>
+            </a:fld>
+            <a:endParaRPr lang="en-GB"/>
+          </a:p>
+        </p:txBody>
+      </p:sp>
+    </p:spTree>
+    <p:extLst>
+      <p:ext uri="{BB962C8B-B14F-4D97-AF65-F5344CB8AC3E}">
+        <p14:creationId xmlns:p14="http://schemas.microsoft.com/office/powerpoint/2010/main" val="1999728807"/>
+      </p:ext>
+    </p:extLst>
+  </p:cSld>
+  <p:clrMapOvr>
+    <a:masterClrMapping/>
+  </p:clrMapOvr>
+</p:notes>
+</file>
+
 <file path=ppt/notesSlides/notesSlide2.xml><?xml version="1.0" encoding="utf-8"?>
 <p:notes xmlns:a="http://schemas.openxmlformats.org/drawingml/2006/main" xmlns:r="http://schemas.openxmlformats.org/officeDocument/2006/relationships" xmlns:p="http://schemas.openxmlformats.org/presentationml/2006/main">
   <p:cSld>
@@ -822,6 +1001,601 @@
     <p:extLst>
       <p:ext uri="{BB962C8B-B14F-4D97-AF65-F5344CB8AC3E}">
         <p14:creationId xmlns:p14="http://schemas.microsoft.com/office/powerpoint/2010/main" val="653099153"/>
+      </p:ext>
+    </p:extLst>
+  </p:cSld>
+  <p:clrMapOvr>
+    <a:masterClrMapping/>
+  </p:clrMapOvr>
+</p:notes>
+</file>
+
+<file path=ppt/notesSlides/notesSlide3.xml><?xml version="1.0" encoding="utf-8"?>
+<p:notes xmlns:a="http://schemas.openxmlformats.org/drawingml/2006/main" xmlns:r="http://schemas.openxmlformats.org/officeDocument/2006/relationships" xmlns:p="http://schemas.openxmlformats.org/presentationml/2006/main">
+  <p:cSld>
+    <p:spTree>
+      <p:nvGrpSpPr>
+        <p:cNvPr id="1" name=""/>
+        <p:cNvGrpSpPr/>
+        <p:nvPr/>
+      </p:nvGrpSpPr>
+      <p:grpSpPr>
+        <a:xfrm>
+          <a:off x="0" y="0"/>
+          <a:ext cx="0" cy="0"/>
+          <a:chOff x="0" y="0"/>
+          <a:chExt cx="0" cy="0"/>
+        </a:xfrm>
+      </p:grpSpPr>
+      <p:sp>
+        <p:nvSpPr>
+          <p:cNvPr id="2" name="Slide Image Placeholder 1"/>
+          <p:cNvSpPr>
+            <a:spLocks noGrp="1" noRot="1" noChangeAspect="1"/>
+          </p:cNvSpPr>
+          <p:nvPr>
+            <p:ph type="sldImg"/>
+          </p:nvPr>
+        </p:nvSpPr>
+        <p:spPr/>
+      </p:sp>
+      <p:sp>
+        <p:nvSpPr>
+          <p:cNvPr id="3" name="Notes Placeholder 2"/>
+          <p:cNvSpPr>
+            <a:spLocks noGrp="1"/>
+          </p:cNvSpPr>
+          <p:nvPr>
+            <p:ph type="body" idx="1"/>
+          </p:nvPr>
+        </p:nvSpPr>
+        <p:spPr/>
+        <p:txBody>
+          <a:bodyPr/>
+          <a:lstStyle/>
+          <a:p>
+            <a:endParaRPr lang="en-GB"/>
+          </a:p>
+        </p:txBody>
+      </p:sp>
+      <p:sp>
+        <p:nvSpPr>
+          <p:cNvPr id="4" name="Slide Number Placeholder 3"/>
+          <p:cNvSpPr>
+            <a:spLocks noGrp="1"/>
+          </p:cNvSpPr>
+          <p:nvPr>
+            <p:ph type="sldNum" sz="quarter" idx="5"/>
+          </p:nvPr>
+        </p:nvSpPr>
+        <p:spPr/>
+        <p:txBody>
+          <a:bodyPr/>
+          <a:lstStyle/>
+          <a:p>
+            <a:fld id="{C59D3C0C-B4B3-4CD4-8ABD-56A2DBF64D39}" type="slidenum">
+              <a:rPr lang="en-GB" smtClean="0"/>
+              <a:pPr/>
+              <a:t>3</a:t>
+            </a:fld>
+            <a:endParaRPr lang="en-GB"/>
+          </a:p>
+        </p:txBody>
+      </p:sp>
+    </p:spTree>
+    <p:extLst>
+      <p:ext uri="{BB962C8B-B14F-4D97-AF65-F5344CB8AC3E}">
+        <p14:creationId xmlns:p14="http://schemas.microsoft.com/office/powerpoint/2010/main" val="2688362462"/>
+      </p:ext>
+    </p:extLst>
+  </p:cSld>
+  <p:clrMapOvr>
+    <a:masterClrMapping/>
+  </p:clrMapOvr>
+</p:notes>
+</file>
+
+<file path=ppt/notesSlides/notesSlide4.xml><?xml version="1.0" encoding="utf-8"?>
+<p:notes xmlns:a="http://schemas.openxmlformats.org/drawingml/2006/main" xmlns:r="http://schemas.openxmlformats.org/officeDocument/2006/relationships" xmlns:p="http://schemas.openxmlformats.org/presentationml/2006/main">
+  <p:cSld>
+    <p:spTree>
+      <p:nvGrpSpPr>
+        <p:cNvPr id="1" name=""/>
+        <p:cNvGrpSpPr/>
+        <p:nvPr/>
+      </p:nvGrpSpPr>
+      <p:grpSpPr>
+        <a:xfrm>
+          <a:off x="0" y="0"/>
+          <a:ext cx="0" cy="0"/>
+          <a:chOff x="0" y="0"/>
+          <a:chExt cx="0" cy="0"/>
+        </a:xfrm>
+      </p:grpSpPr>
+      <p:sp>
+        <p:nvSpPr>
+          <p:cNvPr id="2" name="Slide Image Placeholder 1"/>
+          <p:cNvSpPr>
+            <a:spLocks noGrp="1" noRot="1" noChangeAspect="1"/>
+          </p:cNvSpPr>
+          <p:nvPr>
+            <p:ph type="sldImg"/>
+          </p:nvPr>
+        </p:nvSpPr>
+        <p:spPr/>
+      </p:sp>
+      <p:sp>
+        <p:nvSpPr>
+          <p:cNvPr id="3" name="Notes Placeholder 2"/>
+          <p:cNvSpPr>
+            <a:spLocks noGrp="1"/>
+          </p:cNvSpPr>
+          <p:nvPr>
+            <p:ph type="body" idx="1"/>
+          </p:nvPr>
+        </p:nvSpPr>
+        <p:spPr/>
+        <p:txBody>
+          <a:bodyPr/>
+          <a:lstStyle/>
+          <a:p>
+            <a:endParaRPr lang="en-GB"/>
+          </a:p>
+        </p:txBody>
+      </p:sp>
+      <p:sp>
+        <p:nvSpPr>
+          <p:cNvPr id="4" name="Slide Number Placeholder 3"/>
+          <p:cNvSpPr>
+            <a:spLocks noGrp="1"/>
+          </p:cNvSpPr>
+          <p:nvPr>
+            <p:ph type="sldNum" sz="quarter" idx="5"/>
+          </p:nvPr>
+        </p:nvSpPr>
+        <p:spPr/>
+        <p:txBody>
+          <a:bodyPr/>
+          <a:lstStyle/>
+          <a:p>
+            <a:fld id="{C59D3C0C-B4B3-4CD4-8ABD-56A2DBF64D39}" type="slidenum">
+              <a:rPr lang="en-GB" smtClean="0"/>
+              <a:pPr/>
+              <a:t>4</a:t>
+            </a:fld>
+            <a:endParaRPr lang="en-GB"/>
+          </a:p>
+        </p:txBody>
+      </p:sp>
+    </p:spTree>
+    <p:extLst>
+      <p:ext uri="{BB962C8B-B14F-4D97-AF65-F5344CB8AC3E}">
+        <p14:creationId xmlns:p14="http://schemas.microsoft.com/office/powerpoint/2010/main" val="1558144926"/>
+      </p:ext>
+    </p:extLst>
+  </p:cSld>
+  <p:clrMapOvr>
+    <a:masterClrMapping/>
+  </p:clrMapOvr>
+</p:notes>
+</file>
+
+<file path=ppt/notesSlides/notesSlide5.xml><?xml version="1.0" encoding="utf-8"?>
+<p:notes xmlns:a="http://schemas.openxmlformats.org/drawingml/2006/main" xmlns:r="http://schemas.openxmlformats.org/officeDocument/2006/relationships" xmlns:p="http://schemas.openxmlformats.org/presentationml/2006/main">
+  <p:cSld>
+    <p:spTree>
+      <p:nvGrpSpPr>
+        <p:cNvPr id="1" name=""/>
+        <p:cNvGrpSpPr/>
+        <p:nvPr/>
+      </p:nvGrpSpPr>
+      <p:grpSpPr>
+        <a:xfrm>
+          <a:off x="0" y="0"/>
+          <a:ext cx="0" cy="0"/>
+          <a:chOff x="0" y="0"/>
+          <a:chExt cx="0" cy="0"/>
+        </a:xfrm>
+      </p:grpSpPr>
+      <p:sp>
+        <p:nvSpPr>
+          <p:cNvPr id="2" name="Slide Image Placeholder 1"/>
+          <p:cNvSpPr>
+            <a:spLocks noGrp="1" noRot="1" noChangeAspect="1"/>
+          </p:cNvSpPr>
+          <p:nvPr>
+            <p:ph type="sldImg"/>
+          </p:nvPr>
+        </p:nvSpPr>
+        <p:spPr/>
+      </p:sp>
+      <p:sp>
+        <p:nvSpPr>
+          <p:cNvPr id="3" name="Notes Placeholder 2"/>
+          <p:cNvSpPr>
+            <a:spLocks noGrp="1"/>
+          </p:cNvSpPr>
+          <p:nvPr>
+            <p:ph type="body" idx="1"/>
+          </p:nvPr>
+        </p:nvSpPr>
+        <p:spPr/>
+        <p:txBody>
+          <a:bodyPr/>
+          <a:lstStyle/>
+          <a:p>
+            <a:endParaRPr lang="en-GB"/>
+          </a:p>
+        </p:txBody>
+      </p:sp>
+      <p:sp>
+        <p:nvSpPr>
+          <p:cNvPr id="4" name="Slide Number Placeholder 3"/>
+          <p:cNvSpPr>
+            <a:spLocks noGrp="1"/>
+          </p:cNvSpPr>
+          <p:nvPr>
+            <p:ph type="sldNum" sz="quarter" idx="5"/>
+          </p:nvPr>
+        </p:nvSpPr>
+        <p:spPr/>
+        <p:txBody>
+          <a:bodyPr/>
+          <a:lstStyle/>
+          <a:p>
+            <a:fld id="{C59D3C0C-B4B3-4CD4-8ABD-56A2DBF64D39}" type="slidenum">
+              <a:rPr lang="en-GB" smtClean="0"/>
+              <a:pPr/>
+              <a:t>5</a:t>
+            </a:fld>
+            <a:endParaRPr lang="en-GB"/>
+          </a:p>
+        </p:txBody>
+      </p:sp>
+    </p:spTree>
+    <p:extLst>
+      <p:ext uri="{BB962C8B-B14F-4D97-AF65-F5344CB8AC3E}">
+        <p14:creationId xmlns:p14="http://schemas.microsoft.com/office/powerpoint/2010/main" val="1671691979"/>
+      </p:ext>
+    </p:extLst>
+  </p:cSld>
+  <p:clrMapOvr>
+    <a:masterClrMapping/>
+  </p:clrMapOvr>
+</p:notes>
+</file>
+
+<file path=ppt/notesSlides/notesSlide6.xml><?xml version="1.0" encoding="utf-8"?>
+<p:notes xmlns:a="http://schemas.openxmlformats.org/drawingml/2006/main" xmlns:r="http://schemas.openxmlformats.org/officeDocument/2006/relationships" xmlns:p="http://schemas.openxmlformats.org/presentationml/2006/main">
+  <p:cSld>
+    <p:spTree>
+      <p:nvGrpSpPr>
+        <p:cNvPr id="1" name=""/>
+        <p:cNvGrpSpPr/>
+        <p:nvPr/>
+      </p:nvGrpSpPr>
+      <p:grpSpPr>
+        <a:xfrm>
+          <a:off x="0" y="0"/>
+          <a:ext cx="0" cy="0"/>
+          <a:chOff x="0" y="0"/>
+          <a:chExt cx="0" cy="0"/>
+        </a:xfrm>
+      </p:grpSpPr>
+      <p:sp>
+        <p:nvSpPr>
+          <p:cNvPr id="2" name="Slide Image Placeholder 1"/>
+          <p:cNvSpPr>
+            <a:spLocks noGrp="1" noRot="1" noChangeAspect="1"/>
+          </p:cNvSpPr>
+          <p:nvPr>
+            <p:ph type="sldImg"/>
+          </p:nvPr>
+        </p:nvSpPr>
+        <p:spPr/>
+      </p:sp>
+      <p:sp>
+        <p:nvSpPr>
+          <p:cNvPr id="3" name="Notes Placeholder 2"/>
+          <p:cNvSpPr>
+            <a:spLocks noGrp="1"/>
+          </p:cNvSpPr>
+          <p:nvPr>
+            <p:ph type="body" idx="1"/>
+          </p:nvPr>
+        </p:nvSpPr>
+        <p:spPr/>
+        <p:txBody>
+          <a:bodyPr/>
+          <a:lstStyle/>
+          <a:p>
+            <a:endParaRPr lang="en-GB"/>
+          </a:p>
+        </p:txBody>
+      </p:sp>
+      <p:sp>
+        <p:nvSpPr>
+          <p:cNvPr id="4" name="Slide Number Placeholder 3"/>
+          <p:cNvSpPr>
+            <a:spLocks noGrp="1"/>
+          </p:cNvSpPr>
+          <p:nvPr>
+            <p:ph type="sldNum" sz="quarter" idx="5"/>
+          </p:nvPr>
+        </p:nvSpPr>
+        <p:spPr/>
+        <p:txBody>
+          <a:bodyPr/>
+          <a:lstStyle/>
+          <a:p>
+            <a:fld id="{C59D3C0C-B4B3-4CD4-8ABD-56A2DBF64D39}" type="slidenum">
+              <a:rPr lang="en-GB" smtClean="0"/>
+              <a:pPr/>
+              <a:t>6</a:t>
+            </a:fld>
+            <a:endParaRPr lang="en-GB"/>
+          </a:p>
+        </p:txBody>
+      </p:sp>
+    </p:spTree>
+    <p:extLst>
+      <p:ext uri="{BB962C8B-B14F-4D97-AF65-F5344CB8AC3E}">
+        <p14:creationId xmlns:p14="http://schemas.microsoft.com/office/powerpoint/2010/main" val="632201217"/>
+      </p:ext>
+    </p:extLst>
+  </p:cSld>
+  <p:clrMapOvr>
+    <a:masterClrMapping/>
+  </p:clrMapOvr>
+</p:notes>
+</file>
+
+<file path=ppt/notesSlides/notesSlide7.xml><?xml version="1.0" encoding="utf-8"?>
+<p:notes xmlns:a="http://schemas.openxmlformats.org/drawingml/2006/main" xmlns:r="http://schemas.openxmlformats.org/officeDocument/2006/relationships" xmlns:p="http://schemas.openxmlformats.org/presentationml/2006/main">
+  <p:cSld>
+    <p:spTree>
+      <p:nvGrpSpPr>
+        <p:cNvPr id="1" name=""/>
+        <p:cNvGrpSpPr/>
+        <p:nvPr/>
+      </p:nvGrpSpPr>
+      <p:grpSpPr>
+        <a:xfrm>
+          <a:off x="0" y="0"/>
+          <a:ext cx="0" cy="0"/>
+          <a:chOff x="0" y="0"/>
+          <a:chExt cx="0" cy="0"/>
+        </a:xfrm>
+      </p:grpSpPr>
+      <p:sp>
+        <p:nvSpPr>
+          <p:cNvPr id="2" name="Slide Image Placeholder 1"/>
+          <p:cNvSpPr>
+            <a:spLocks noGrp="1" noRot="1" noChangeAspect="1"/>
+          </p:cNvSpPr>
+          <p:nvPr>
+            <p:ph type="sldImg"/>
+          </p:nvPr>
+        </p:nvSpPr>
+        <p:spPr/>
+      </p:sp>
+      <p:sp>
+        <p:nvSpPr>
+          <p:cNvPr id="3" name="Notes Placeholder 2"/>
+          <p:cNvSpPr>
+            <a:spLocks noGrp="1"/>
+          </p:cNvSpPr>
+          <p:nvPr>
+            <p:ph type="body" idx="1"/>
+          </p:nvPr>
+        </p:nvSpPr>
+        <p:spPr/>
+        <p:txBody>
+          <a:bodyPr/>
+          <a:lstStyle/>
+          <a:p>
+            <a:endParaRPr lang="en-GB"/>
+          </a:p>
+        </p:txBody>
+      </p:sp>
+      <p:sp>
+        <p:nvSpPr>
+          <p:cNvPr id="4" name="Slide Number Placeholder 3"/>
+          <p:cNvSpPr>
+            <a:spLocks noGrp="1"/>
+          </p:cNvSpPr>
+          <p:nvPr>
+            <p:ph type="sldNum" sz="quarter" idx="5"/>
+          </p:nvPr>
+        </p:nvSpPr>
+        <p:spPr/>
+        <p:txBody>
+          <a:bodyPr/>
+          <a:lstStyle/>
+          <a:p>
+            <a:fld id="{C59D3C0C-B4B3-4CD4-8ABD-56A2DBF64D39}" type="slidenum">
+              <a:rPr lang="en-GB" smtClean="0"/>
+              <a:pPr/>
+              <a:t>7</a:t>
+            </a:fld>
+            <a:endParaRPr lang="en-GB"/>
+          </a:p>
+        </p:txBody>
+      </p:sp>
+    </p:spTree>
+    <p:extLst>
+      <p:ext uri="{BB962C8B-B14F-4D97-AF65-F5344CB8AC3E}">
+        <p14:creationId xmlns:p14="http://schemas.microsoft.com/office/powerpoint/2010/main" val="1321190181"/>
+      </p:ext>
+    </p:extLst>
+  </p:cSld>
+  <p:clrMapOvr>
+    <a:masterClrMapping/>
+  </p:clrMapOvr>
+</p:notes>
+</file>
+
+<file path=ppt/notesSlides/notesSlide8.xml><?xml version="1.0" encoding="utf-8"?>
+<p:notes xmlns:a="http://schemas.openxmlformats.org/drawingml/2006/main" xmlns:r="http://schemas.openxmlformats.org/officeDocument/2006/relationships" xmlns:p="http://schemas.openxmlformats.org/presentationml/2006/main">
+  <p:cSld>
+    <p:spTree>
+      <p:nvGrpSpPr>
+        <p:cNvPr id="1" name=""/>
+        <p:cNvGrpSpPr/>
+        <p:nvPr/>
+      </p:nvGrpSpPr>
+      <p:grpSpPr>
+        <a:xfrm>
+          <a:off x="0" y="0"/>
+          <a:ext cx="0" cy="0"/>
+          <a:chOff x="0" y="0"/>
+          <a:chExt cx="0" cy="0"/>
+        </a:xfrm>
+      </p:grpSpPr>
+      <p:sp>
+        <p:nvSpPr>
+          <p:cNvPr id="2" name="Slide Image Placeholder 1"/>
+          <p:cNvSpPr>
+            <a:spLocks noGrp="1" noRot="1" noChangeAspect="1"/>
+          </p:cNvSpPr>
+          <p:nvPr>
+            <p:ph type="sldImg"/>
+          </p:nvPr>
+        </p:nvSpPr>
+        <p:spPr/>
+      </p:sp>
+      <p:sp>
+        <p:nvSpPr>
+          <p:cNvPr id="3" name="Notes Placeholder 2"/>
+          <p:cNvSpPr>
+            <a:spLocks noGrp="1"/>
+          </p:cNvSpPr>
+          <p:nvPr>
+            <p:ph type="body" idx="1"/>
+          </p:nvPr>
+        </p:nvSpPr>
+        <p:spPr/>
+        <p:txBody>
+          <a:bodyPr/>
+          <a:lstStyle/>
+          <a:p>
+            <a:endParaRPr lang="en-GB"/>
+          </a:p>
+        </p:txBody>
+      </p:sp>
+      <p:sp>
+        <p:nvSpPr>
+          <p:cNvPr id="4" name="Slide Number Placeholder 3"/>
+          <p:cNvSpPr>
+            <a:spLocks noGrp="1"/>
+          </p:cNvSpPr>
+          <p:nvPr>
+            <p:ph type="sldNum" sz="quarter" idx="5"/>
+          </p:nvPr>
+        </p:nvSpPr>
+        <p:spPr/>
+        <p:txBody>
+          <a:bodyPr/>
+          <a:lstStyle/>
+          <a:p>
+            <a:fld id="{C59D3C0C-B4B3-4CD4-8ABD-56A2DBF64D39}" type="slidenum">
+              <a:rPr lang="en-GB" smtClean="0"/>
+              <a:pPr/>
+              <a:t>8</a:t>
+            </a:fld>
+            <a:endParaRPr lang="en-GB"/>
+          </a:p>
+        </p:txBody>
+      </p:sp>
+    </p:spTree>
+    <p:extLst>
+      <p:ext uri="{BB962C8B-B14F-4D97-AF65-F5344CB8AC3E}">
+        <p14:creationId xmlns:p14="http://schemas.microsoft.com/office/powerpoint/2010/main" val="2191286635"/>
+      </p:ext>
+    </p:extLst>
+  </p:cSld>
+  <p:clrMapOvr>
+    <a:masterClrMapping/>
+  </p:clrMapOvr>
+</p:notes>
+</file>
+
+<file path=ppt/notesSlides/notesSlide9.xml><?xml version="1.0" encoding="utf-8"?>
+<p:notes xmlns:a="http://schemas.openxmlformats.org/drawingml/2006/main" xmlns:r="http://schemas.openxmlformats.org/officeDocument/2006/relationships" xmlns:p="http://schemas.openxmlformats.org/presentationml/2006/main">
+  <p:cSld>
+    <p:spTree>
+      <p:nvGrpSpPr>
+        <p:cNvPr id="1" name=""/>
+        <p:cNvGrpSpPr/>
+        <p:nvPr/>
+      </p:nvGrpSpPr>
+      <p:grpSpPr>
+        <a:xfrm>
+          <a:off x="0" y="0"/>
+          <a:ext cx="0" cy="0"/>
+          <a:chOff x="0" y="0"/>
+          <a:chExt cx="0" cy="0"/>
+        </a:xfrm>
+      </p:grpSpPr>
+      <p:sp>
+        <p:nvSpPr>
+          <p:cNvPr id="2" name="Slide Image Placeholder 1"/>
+          <p:cNvSpPr>
+            <a:spLocks noGrp="1" noRot="1" noChangeAspect="1"/>
+          </p:cNvSpPr>
+          <p:nvPr>
+            <p:ph type="sldImg"/>
+          </p:nvPr>
+        </p:nvSpPr>
+        <p:spPr/>
+      </p:sp>
+      <p:sp>
+        <p:nvSpPr>
+          <p:cNvPr id="3" name="Notes Placeholder 2"/>
+          <p:cNvSpPr>
+            <a:spLocks noGrp="1"/>
+          </p:cNvSpPr>
+          <p:nvPr>
+            <p:ph type="body" idx="1"/>
+          </p:nvPr>
+        </p:nvSpPr>
+        <p:spPr/>
+        <p:txBody>
+          <a:bodyPr/>
+          <a:lstStyle/>
+          <a:p>
+            <a:endParaRPr lang="en-GB"/>
+          </a:p>
+        </p:txBody>
+      </p:sp>
+      <p:sp>
+        <p:nvSpPr>
+          <p:cNvPr id="4" name="Slide Number Placeholder 3"/>
+          <p:cNvSpPr>
+            <a:spLocks noGrp="1"/>
+          </p:cNvSpPr>
+          <p:nvPr>
+            <p:ph type="sldNum" sz="quarter" idx="5"/>
+          </p:nvPr>
+        </p:nvSpPr>
+        <p:spPr/>
+        <p:txBody>
+          <a:bodyPr/>
+          <a:lstStyle/>
+          <a:p>
+            <a:fld id="{C59D3C0C-B4B3-4CD4-8ABD-56A2DBF64D39}" type="slidenum">
+              <a:rPr lang="en-GB" smtClean="0"/>
+              <a:pPr/>
+              <a:t>9</a:t>
+            </a:fld>
+            <a:endParaRPr lang="en-GB"/>
+          </a:p>
+        </p:txBody>
+      </p:sp>
+    </p:spTree>
+    <p:extLst>
+      <p:ext uri="{BB962C8B-B14F-4D97-AF65-F5344CB8AC3E}">
+        <p14:creationId xmlns:p14="http://schemas.microsoft.com/office/powerpoint/2010/main" val="982679246"/>
       </p:ext>
     </p:extLst>
   </p:cSld>
@@ -1028,7 +1802,7 @@
             <a:fld id="{24C0EDFE-3590-4448-BF7B-7FB41E82085F}" type="datetimeFigureOut">
               <a:rPr lang="en-US" smtClean="0"/>
               <a:pPr/>
-              <a:t>9/11/2020</a:t>
+              <a:t>9/24/2020</a:t>
             </a:fld>
             <a:endParaRPr lang="en-US" dirty="0"/>
           </a:p>
@@ -1259,7 +2033,7 @@
             <a:fld id="{24C0EDFE-3590-4448-BF7B-7FB41E82085F}" type="datetimeFigureOut">
               <a:rPr lang="en-US" smtClean="0"/>
               <a:pPr/>
-              <a:t>9/11/2020</a:t>
+              <a:t>9/24/2020</a:t>
             </a:fld>
             <a:endParaRPr lang="en-US" dirty="0"/>
           </a:p>
@@ -1625,7 +2399,7 @@
             <a:fld id="{24C0EDFE-3590-4448-BF7B-7FB41E82085F}" type="datetimeFigureOut">
               <a:rPr lang="en-US" smtClean="0"/>
               <a:pPr/>
-              <a:t>9/11/2020</a:t>
+              <a:t>9/24/2020</a:t>
             </a:fld>
             <a:endParaRPr lang="en-US" dirty="0"/>
           </a:p>
@@ -1939,7 +2713,7 @@
             <a:fld id="{24C0EDFE-3590-4448-BF7B-7FB41E82085F}" type="datetimeFigureOut">
               <a:rPr lang="en-US" smtClean="0"/>
               <a:pPr/>
-              <a:t>9/11/2020</a:t>
+              <a:t>9/24/2020</a:t>
             </a:fld>
             <a:endParaRPr lang="en-US" dirty="0"/>
           </a:p>
@@ -2069,7 +2843,7 @@
             <a:fld id="{24C0EDFE-3590-4448-BF7B-7FB41E82085F}" type="datetimeFigureOut">
               <a:rPr lang="en-US" smtClean="0"/>
               <a:pPr/>
-              <a:t>9/11/2020</a:t>
+              <a:t>9/24/2020</a:t>
             </a:fld>
             <a:endParaRPr lang="en-US" dirty="0"/>
           </a:p>
@@ -2161,7 +2935,7 @@
             <a:fld id="{24C0EDFE-3590-4448-BF7B-7FB41E82085F}" type="datetimeFigureOut">
               <a:rPr lang="en-US" smtClean="0"/>
               <a:pPr/>
-              <a:t>9/11/2020</a:t>
+              <a:t>9/24/2020</a:t>
             </a:fld>
             <a:endParaRPr lang="en-US" dirty="0"/>
           </a:p>
@@ -2440,7 +3214,7 @@
             <a:fld id="{24C0EDFE-3590-4448-BF7B-7FB41E82085F}" type="datetimeFigureOut">
               <a:rPr lang="en-US" smtClean="0"/>
               <a:pPr/>
-              <a:t>9/11/2020</a:t>
+              <a:t>9/24/2020</a:t>
             </a:fld>
             <a:endParaRPr lang="en-US" dirty="0"/>
           </a:p>
@@ -2692,7 +3466,7 @@
             <a:fld id="{24C0EDFE-3590-4448-BF7B-7FB41E82085F}" type="datetimeFigureOut">
               <a:rPr lang="en-US" smtClean="0"/>
               <a:pPr/>
-              <a:t>9/11/2020</a:t>
+              <a:t>9/24/2020</a:t>
             </a:fld>
             <a:endParaRPr lang="en-US" dirty="0"/>
           </a:p>
@@ -2869,7 +3643,7 @@
             <a:fld id="{24C0EDFE-3590-4448-BF7B-7FB41E82085F}" type="datetimeFigureOut">
               <a:rPr lang="en-US" smtClean="0"/>
               <a:pPr/>
-              <a:t>9/11/2020</a:t>
+              <a:t>9/24/2020</a:t>
             </a:fld>
             <a:endParaRPr lang="en-US" dirty="0"/>
           </a:p>
@@ -3493,7 +4267,7 @@
                 <a:ea typeface="+mn-ea"/>
                 <a:cs typeface="Calibri" pitchFamily="34" charset="0"/>
               </a:rPr>
-              <a:t> - Manifestos</a:t>
+              <a:t> – Manifestos &amp; Team Identity</a:t>
             </a:r>
             <a:endParaRPr kumimoji="0" lang="en-US" sz="1800" b="0" i="0" u="none" strike="noStrike" kern="1200" cap="none" spc="0" normalizeH="0" baseline="0" noProof="0" dirty="0">
               <a:ln>
@@ -3595,6 +4369,492 @@
         </p:txBody>
       </p:sp>
     </p:spTree>
+  </p:cSld>
+  <p:clrMapOvr>
+    <a:masterClrMapping/>
+  </p:clrMapOvr>
+</p:sld>
+</file>
+
+<file path=ppt/slides/slide10.xml><?xml version="1.0" encoding="utf-8"?>
+<p:sld xmlns:a="http://schemas.openxmlformats.org/drawingml/2006/main" xmlns:r="http://schemas.openxmlformats.org/officeDocument/2006/relationships" xmlns:p="http://schemas.openxmlformats.org/presentationml/2006/main">
+  <p:cSld>
+    <p:spTree>
+      <p:nvGrpSpPr>
+        <p:cNvPr id="1" name=""/>
+        <p:cNvGrpSpPr/>
+        <p:nvPr/>
+      </p:nvGrpSpPr>
+      <p:grpSpPr>
+        <a:xfrm>
+          <a:off x="0" y="0"/>
+          <a:ext cx="0" cy="0"/>
+          <a:chOff x="0" y="0"/>
+          <a:chExt cx="0" cy="0"/>
+        </a:xfrm>
+      </p:grpSpPr>
+      <p:sp>
+        <p:nvSpPr>
+          <p:cNvPr id="2" name="Title 1">
+            <a:extLst>
+              <a:ext uri="{FF2B5EF4-FFF2-40B4-BE49-F238E27FC236}">
+                <a16:creationId xmlns:a16="http://schemas.microsoft.com/office/drawing/2014/main" id="{7EC754D0-CDD9-4AC6-BB91-40332CCE2471}"/>
+              </a:ext>
+            </a:extLst>
+          </p:cNvPr>
+          <p:cNvSpPr>
+            <a:spLocks noGrp="1"/>
+          </p:cNvSpPr>
+          <p:nvPr>
+            <p:ph type="title"/>
+          </p:nvPr>
+        </p:nvSpPr>
+        <p:spPr>
+          <a:xfrm>
+            <a:off x="445974" y="843707"/>
+            <a:ext cx="8229600" cy="634082"/>
+          </a:xfrm>
+          <a:prstGeom prst="rect">
+            <a:avLst/>
+          </a:prstGeom>
+        </p:spPr>
+        <p:txBody>
+          <a:bodyPr/>
+          <a:lstStyle/>
+          <a:p>
+            <a:r>
+              <a:rPr lang="en-GB" dirty="0"/>
+              <a:t>Activity</a:t>
+            </a:r>
+          </a:p>
+        </p:txBody>
+      </p:sp>
+      <p:sp>
+        <p:nvSpPr>
+          <p:cNvPr id="3" name="Content Placeholder 2">
+            <a:extLst>
+              <a:ext uri="{FF2B5EF4-FFF2-40B4-BE49-F238E27FC236}">
+                <a16:creationId xmlns:a16="http://schemas.microsoft.com/office/drawing/2014/main" id="{ACFFD619-30C6-4E06-AA2D-409CA65FC6C2}"/>
+              </a:ext>
+            </a:extLst>
+          </p:cNvPr>
+          <p:cNvSpPr>
+            <a:spLocks noGrp="1"/>
+          </p:cNvSpPr>
+          <p:nvPr>
+            <p:ph idx="1"/>
+          </p:nvPr>
+        </p:nvSpPr>
+        <p:spPr/>
+        <p:txBody>
+          <a:bodyPr>
+            <a:normAutofit fontScale="85000" lnSpcReduction="20000"/>
+          </a:bodyPr>
+          <a:lstStyle/>
+          <a:p>
+            <a:r>
+              <a:rPr lang="en-GB" dirty="0"/>
+              <a:t>As a group, carry out the following:</a:t>
+            </a:r>
+          </a:p>
+          <a:p>
+            <a:pPr marL="914400" lvl="1" indent="-514350">
+              <a:buFont typeface="+mj-lt"/>
+              <a:buAutoNum type="arabicPeriod"/>
+            </a:pPr>
+            <a:r>
+              <a:rPr lang="en-GB" dirty="0"/>
+              <a:t>Research Manifestos, pick 3 – 5 that the group like. Please include some non-game examples!</a:t>
+            </a:r>
+          </a:p>
+          <a:p>
+            <a:pPr marL="914400" lvl="1" indent="-514350">
+              <a:buFont typeface="+mj-lt"/>
+              <a:buAutoNum type="arabicPeriod"/>
+            </a:pPr>
+            <a:r>
+              <a:rPr lang="en-GB" dirty="0"/>
+              <a:t>Build your Teams Manifesto</a:t>
+            </a:r>
+          </a:p>
+          <a:p>
+            <a:pPr marL="1314450" lvl="2" indent="-514350">
+              <a:buFont typeface="+mj-lt"/>
+              <a:buAutoNum type="alphaUcPeriod"/>
+            </a:pPr>
+            <a:r>
+              <a:rPr lang="en-GB" dirty="0"/>
+              <a:t>Decided on a team name</a:t>
+            </a:r>
+          </a:p>
+          <a:p>
+            <a:pPr marL="1314450" lvl="2" indent="-514350">
+              <a:buFont typeface="+mj-lt"/>
+              <a:buAutoNum type="alphaUcPeriod"/>
+            </a:pPr>
+            <a:r>
+              <a:rPr lang="en-GB" dirty="0"/>
+              <a:t>Create a rough logo for the team</a:t>
+            </a:r>
+          </a:p>
+          <a:p>
+            <a:pPr marL="1314450" lvl="2" indent="-514350">
+              <a:buFont typeface="+mj-lt"/>
+              <a:buAutoNum type="alphaUcPeriod"/>
+            </a:pPr>
+            <a:r>
+              <a:rPr lang="en-GB" dirty="0"/>
+              <a:t>Work on your principles</a:t>
+            </a:r>
+          </a:p>
+          <a:p>
+            <a:pPr marL="1314450" lvl="2" indent="-514350">
+              <a:buFont typeface="+mj-lt"/>
+              <a:buAutoNum type="alphaUcPeriod"/>
+            </a:pPr>
+            <a:r>
+              <a:rPr lang="en-GB" dirty="0"/>
+              <a:t>What's your opening statement?</a:t>
+            </a:r>
+          </a:p>
+          <a:p>
+            <a:pPr marL="1314450" lvl="2" indent="-514350">
+              <a:buFont typeface="+mj-lt"/>
+              <a:buAutoNum type="alphaUcPeriod"/>
+            </a:pPr>
+            <a:r>
+              <a:rPr lang="en-GB" dirty="0"/>
+              <a:t>What’s your call to action?</a:t>
+            </a:r>
+          </a:p>
+          <a:p>
+            <a:pPr marL="1314450" lvl="2" indent="-514350">
+              <a:buFont typeface="+mj-lt"/>
+              <a:buAutoNum type="alphaUcPeriod"/>
+            </a:pPr>
+            <a:r>
+              <a:rPr lang="en-GB" dirty="0"/>
+              <a:t>Embellish with artwork, please note this can be concept work or sketches</a:t>
+            </a:r>
+          </a:p>
+          <a:p>
+            <a:pPr marL="914400" lvl="1" indent="-514350">
+              <a:buFont typeface="+mj-lt"/>
+              <a:buAutoNum type="arabicPeriod"/>
+            </a:pPr>
+            <a:r>
+              <a:rPr lang="en-GB" dirty="0"/>
+              <a:t>First drafts of this by end of </a:t>
+            </a:r>
+            <a:r>
+              <a:rPr lang="en-GB" b="1" dirty="0"/>
+              <a:t>week 3</a:t>
+            </a:r>
+          </a:p>
+          <a:p>
+            <a:pPr marL="914400" lvl="1" indent="-514350">
+              <a:buFont typeface="+mj-lt"/>
+              <a:buAutoNum type="arabicPeriod"/>
+            </a:pPr>
+            <a:r>
+              <a:rPr lang="en-GB" b="1" dirty="0"/>
+              <a:t>Please post this on the Teams Site for the module</a:t>
+            </a:r>
+          </a:p>
+        </p:txBody>
+      </p:sp>
+    </p:spTree>
+    <p:extLst>
+      <p:ext uri="{BB962C8B-B14F-4D97-AF65-F5344CB8AC3E}">
+        <p14:creationId xmlns:p14="http://schemas.microsoft.com/office/powerpoint/2010/main" val="4026109801"/>
+      </p:ext>
+    </p:extLst>
+  </p:cSld>
+  <p:clrMapOvr>
+    <a:masterClrMapping/>
+  </p:clrMapOvr>
+</p:sld>
+</file>
+
+<file path=ppt/slides/slide11.xml><?xml version="1.0" encoding="utf-8"?>
+<p:sld xmlns:a="http://schemas.openxmlformats.org/drawingml/2006/main" xmlns:r="http://schemas.openxmlformats.org/officeDocument/2006/relationships" xmlns:p="http://schemas.openxmlformats.org/presentationml/2006/main">
+  <p:cSld>
+    <p:spTree>
+      <p:nvGrpSpPr>
+        <p:cNvPr id="1" name=""/>
+        <p:cNvGrpSpPr/>
+        <p:nvPr/>
+      </p:nvGrpSpPr>
+      <p:grpSpPr>
+        <a:xfrm>
+          <a:off x="0" y="0"/>
+          <a:ext cx="0" cy="0"/>
+          <a:chOff x="0" y="0"/>
+          <a:chExt cx="0" cy="0"/>
+        </a:xfrm>
+      </p:grpSpPr>
+      <p:sp>
+        <p:nvSpPr>
+          <p:cNvPr id="2" name="Title 1">
+            <a:extLst>
+              <a:ext uri="{FF2B5EF4-FFF2-40B4-BE49-F238E27FC236}">
+                <a16:creationId xmlns:a16="http://schemas.microsoft.com/office/drawing/2014/main" id="{7EC754D0-CDD9-4AC6-BB91-40332CCE2471}"/>
+              </a:ext>
+            </a:extLst>
+          </p:cNvPr>
+          <p:cNvSpPr>
+            <a:spLocks noGrp="1"/>
+          </p:cNvSpPr>
+          <p:nvPr>
+            <p:ph type="title"/>
+          </p:nvPr>
+        </p:nvSpPr>
+        <p:spPr>
+          <a:xfrm>
+            <a:off x="445974" y="843707"/>
+            <a:ext cx="8229600" cy="634082"/>
+          </a:xfrm>
+          <a:prstGeom prst="rect">
+            <a:avLst/>
+          </a:prstGeom>
+        </p:spPr>
+        <p:txBody>
+          <a:bodyPr/>
+          <a:lstStyle/>
+          <a:p>
+            <a:r>
+              <a:rPr lang="en-GB" dirty="0"/>
+              <a:t>Why are we doing this?</a:t>
+            </a:r>
+          </a:p>
+        </p:txBody>
+      </p:sp>
+      <p:sp>
+        <p:nvSpPr>
+          <p:cNvPr id="3" name="Content Placeholder 2">
+            <a:extLst>
+              <a:ext uri="{FF2B5EF4-FFF2-40B4-BE49-F238E27FC236}">
+                <a16:creationId xmlns:a16="http://schemas.microsoft.com/office/drawing/2014/main" id="{ACFFD619-30C6-4E06-AA2D-409CA65FC6C2}"/>
+              </a:ext>
+            </a:extLst>
+          </p:cNvPr>
+          <p:cNvSpPr>
+            <a:spLocks noGrp="1"/>
+          </p:cNvSpPr>
+          <p:nvPr>
+            <p:ph idx="1"/>
+          </p:nvPr>
+        </p:nvSpPr>
+        <p:spPr/>
+        <p:txBody>
+          <a:bodyPr>
+            <a:normAutofit/>
+          </a:bodyPr>
+          <a:lstStyle/>
+          <a:p>
+            <a:r>
+              <a:rPr lang="en-GB" dirty="0"/>
+              <a:t>Brings the team together</a:t>
+            </a:r>
+            <a:r>
+              <a:rPr lang="en-GB" b="1" dirty="0"/>
+              <a:t> under </a:t>
+            </a:r>
+            <a:r>
+              <a:rPr lang="en-GB" dirty="0"/>
+              <a:t>a collective </a:t>
+            </a:r>
+            <a:r>
+              <a:rPr lang="en-GB" b="1" dirty="0"/>
+              <a:t>vision</a:t>
+            </a:r>
+          </a:p>
+          <a:p>
+            <a:r>
+              <a:rPr lang="en-GB" dirty="0"/>
+              <a:t>Reduces conflict, if the manifesto is agreed upon</a:t>
+            </a:r>
+          </a:p>
+          <a:p>
+            <a:r>
+              <a:rPr lang="en-GB" dirty="0"/>
+              <a:t>Starts you thinking about your or your games brand</a:t>
+            </a:r>
+          </a:p>
+          <a:p>
+            <a:r>
+              <a:rPr lang="en-GB" dirty="0"/>
+              <a:t>Manifesto </a:t>
+            </a:r>
+            <a:r>
+              <a:rPr lang="en-GB"/>
+              <a:t>creation is fun!</a:t>
+            </a:r>
+            <a:endParaRPr lang="en-GB" dirty="0"/>
+          </a:p>
+        </p:txBody>
+      </p:sp>
+    </p:spTree>
+    <p:extLst>
+      <p:ext uri="{BB962C8B-B14F-4D97-AF65-F5344CB8AC3E}">
+        <p14:creationId xmlns:p14="http://schemas.microsoft.com/office/powerpoint/2010/main" val="1300403011"/>
+      </p:ext>
+    </p:extLst>
+  </p:cSld>
+  <p:clrMapOvr>
+    <a:masterClrMapping/>
+  </p:clrMapOvr>
+</p:sld>
+</file>
+
+<file path=ppt/slides/slide12.xml><?xml version="1.0" encoding="utf-8"?>
+<p:sld xmlns:a="http://schemas.openxmlformats.org/drawingml/2006/main" xmlns:r="http://schemas.openxmlformats.org/officeDocument/2006/relationships" xmlns:p="http://schemas.openxmlformats.org/presentationml/2006/main">
+  <p:cSld>
+    <p:spTree>
+      <p:nvGrpSpPr>
+        <p:cNvPr id="1" name=""/>
+        <p:cNvGrpSpPr/>
+        <p:nvPr/>
+      </p:nvGrpSpPr>
+      <p:grpSpPr>
+        <a:xfrm>
+          <a:off x="0" y="0"/>
+          <a:ext cx="0" cy="0"/>
+          <a:chOff x="0" y="0"/>
+          <a:chExt cx="0" cy="0"/>
+        </a:xfrm>
+      </p:grpSpPr>
+      <p:sp>
+        <p:nvSpPr>
+          <p:cNvPr id="2" name="Content Placeholder 1">
+            <a:extLst>
+              <a:ext uri="{FF2B5EF4-FFF2-40B4-BE49-F238E27FC236}">
+                <a16:creationId xmlns:a16="http://schemas.microsoft.com/office/drawing/2014/main" id="{F146B77E-7F09-467A-8E15-D5A11048F64A}"/>
+              </a:ext>
+            </a:extLst>
+          </p:cNvPr>
+          <p:cNvSpPr>
+            <a:spLocks noGrp="1"/>
+          </p:cNvSpPr>
+          <p:nvPr>
+            <p:ph idx="1"/>
+          </p:nvPr>
+        </p:nvSpPr>
+        <p:spPr/>
+        <p:txBody>
+          <a:bodyPr>
+            <a:normAutofit fontScale="92500" lnSpcReduction="10000"/>
+          </a:bodyPr>
+          <a:lstStyle/>
+          <a:p>
+            <a:r>
+              <a:rPr lang="en-GB" dirty="0"/>
+              <a:t>10 Game Changing Art Manifestos</a:t>
+            </a:r>
+          </a:p>
+          <a:p>
+            <a:pPr lvl="1"/>
+            <a:r>
+              <a:rPr lang="en-GB" dirty="0">
+                <a:hlinkClick r:id="rId2"/>
+              </a:rPr>
+              <a:t>https://www.royalacademy.org.uk/article/ten-game-changing-manifestos</a:t>
+            </a:r>
+            <a:endParaRPr lang="en-GB" dirty="0"/>
+          </a:p>
+          <a:p>
+            <a:r>
+              <a:rPr lang="en-GB" dirty="0"/>
+              <a:t>A Survey of video game manifestos</a:t>
+            </a:r>
+          </a:p>
+          <a:p>
+            <a:pPr lvl="1"/>
+            <a:r>
+              <a:rPr lang="en-GB" dirty="0">
+                <a:hlinkClick r:id="rId3"/>
+              </a:rPr>
+              <a:t>https://www.blog.radiator.debacle.us/2017/04/a-survey-of-video-game-manifestos.html</a:t>
+            </a:r>
+            <a:r>
+              <a:rPr lang="en-GB" dirty="0"/>
+              <a:t> </a:t>
+            </a:r>
+          </a:p>
+          <a:p>
+            <a:r>
+              <a:rPr lang="en-GB" dirty="0"/>
+              <a:t>Manifesto for Agile Software Development</a:t>
+            </a:r>
+          </a:p>
+          <a:p>
+            <a:pPr lvl="1"/>
+            <a:r>
+              <a:rPr lang="en-GB" dirty="0">
+                <a:hlinkClick r:id="rId4"/>
+              </a:rPr>
+              <a:t>https://agilemanifesto.org/</a:t>
+            </a:r>
+            <a:r>
+              <a:rPr lang="en-GB" dirty="0"/>
+              <a:t> </a:t>
+            </a:r>
+          </a:p>
+          <a:p>
+            <a:r>
+              <a:rPr lang="en-GB" dirty="0"/>
+              <a:t>Manifesto Jam</a:t>
+            </a:r>
+          </a:p>
+          <a:p>
+            <a:pPr lvl="1"/>
+            <a:r>
+              <a:rPr lang="en-GB" dirty="0">
+                <a:hlinkClick r:id="rId5"/>
+              </a:rPr>
+              <a:t>https://itch.io/jam/manifesto-jam</a:t>
+            </a:r>
+            <a:r>
+              <a:rPr lang="en-GB" dirty="0"/>
+              <a:t> </a:t>
+            </a:r>
+          </a:p>
+        </p:txBody>
+      </p:sp>
+      <p:sp>
+        <p:nvSpPr>
+          <p:cNvPr id="3" name="Title 2">
+            <a:extLst>
+              <a:ext uri="{FF2B5EF4-FFF2-40B4-BE49-F238E27FC236}">
+                <a16:creationId xmlns:a16="http://schemas.microsoft.com/office/drawing/2014/main" id="{260986A6-6422-4C7E-AB14-37770639B5ED}"/>
+              </a:ext>
+            </a:extLst>
+          </p:cNvPr>
+          <p:cNvSpPr>
+            <a:spLocks noGrp="1"/>
+          </p:cNvSpPr>
+          <p:nvPr>
+            <p:ph type="title"/>
+          </p:nvPr>
+        </p:nvSpPr>
+        <p:spPr/>
+        <p:txBody>
+          <a:bodyPr/>
+          <a:lstStyle/>
+          <a:p>
+            <a:r>
+              <a:rPr lang="en-GB" dirty="0"/>
+              <a:t>Resources </a:t>
+            </a:r>
+          </a:p>
+        </p:txBody>
+      </p:sp>
+    </p:spTree>
+    <p:extLst>
+      <p:ext uri="{BB962C8B-B14F-4D97-AF65-F5344CB8AC3E}">
+        <p14:creationId xmlns:p14="http://schemas.microsoft.com/office/powerpoint/2010/main" val="1462394742"/>
+      </p:ext>
+    </p:extLst>
   </p:cSld>
   <p:clrMapOvr>
     <a:masterClrMapping/>
@@ -3650,7 +4910,7 @@
           <a:p>
             <a:r>
               <a:rPr lang="en-GB" dirty="0"/>
-              <a:t>Module Aims</a:t>
+              <a:t>Introduction</a:t>
             </a:r>
           </a:p>
         </p:txBody>
@@ -3674,117 +4934,59 @@
         <p:spPr/>
         <p:txBody>
           <a:bodyPr>
-            <a:normAutofit fontScale="92500" lnSpcReduction="10000"/>
+            <a:normAutofit fontScale="92500" lnSpcReduction="20000"/>
           </a:bodyPr>
           <a:lstStyle/>
           <a:p>
             <a:r>
               <a:rPr lang="en-GB" dirty="0"/>
-              <a:t>“To carry out the pre-production of a market-viable digital game.”</a:t>
-            </a:r>
-          </a:p>
-          <a:p>
-            <a:r>
-              <a:rPr lang="en-GB" dirty="0"/>
-              <a:t>More broadly</a:t>
+              <a:t>At the Games Academy we have brought together individuals as teams</a:t>
+            </a:r>
+          </a:p>
+          <a:p>
+            <a:r>
+              <a:rPr lang="en-GB" dirty="0"/>
+              <a:t>Or</a:t>
+            </a:r>
+          </a:p>
+          <a:p>
+            <a:r>
+              <a:rPr lang="en-GB" dirty="0"/>
+              <a:t>You have self organised into a Team</a:t>
+            </a:r>
+          </a:p>
+          <a:p>
+            <a:r>
+              <a:rPr lang="en-GB" dirty="0"/>
+              <a:t>How do you take all your individual values and coalesce this into team values?</a:t>
+            </a:r>
+          </a:p>
+          <a:p>
+            <a:r>
+              <a:rPr lang="en-GB" dirty="0"/>
+              <a:t>If you can do this, then hopefully</a:t>
             </a:r>
           </a:p>
           <a:p>
             <a:pPr lvl="1"/>
             <a:r>
               <a:rPr lang="en-GB" dirty="0"/>
-              <a:t>work in a </a:t>
-            </a:r>
-            <a:r>
-              <a:rPr lang="en-GB" b="1" dirty="0"/>
-              <a:t>multi-skilled team </a:t>
-            </a:r>
-            <a:r>
-              <a:rPr lang="en-GB" dirty="0"/>
-              <a:t>and start work on a project that you will continue to </a:t>
-            </a:r>
-            <a:r>
-              <a:rPr lang="en-GB" b="1" dirty="0"/>
-              <a:t>develop throughout the year</a:t>
+              <a:t>It will bring the team together and reduce conflict</a:t>
             </a:r>
           </a:p>
           <a:p>
             <a:pPr lvl="1"/>
             <a:r>
               <a:rPr lang="en-GB" dirty="0"/>
-              <a:t>You will </a:t>
-            </a:r>
-            <a:r>
-              <a:rPr lang="en-GB" b="1" dirty="0"/>
-              <a:t>build</a:t>
-            </a:r>
-            <a:r>
-              <a:rPr lang="en-GB" dirty="0"/>
-              <a:t> upon your </a:t>
-            </a:r>
-            <a:r>
-              <a:rPr lang="en-GB" b="1" dirty="0"/>
-              <a:t>learning experience </a:t>
-            </a:r>
-            <a:r>
-              <a:rPr lang="en-GB" dirty="0"/>
-              <a:t>from the </a:t>
-            </a:r>
-            <a:r>
-              <a:rPr lang="en-GB" b="1" dirty="0"/>
-              <a:t>prior stages </a:t>
-            </a:r>
-            <a:r>
-              <a:rPr lang="en-GB" dirty="0"/>
-              <a:t>of the </a:t>
-            </a:r>
-            <a:r>
-              <a:rPr lang="en-GB" b="1" dirty="0"/>
-              <a:t>course</a:t>
-            </a:r>
-            <a:r>
-              <a:rPr lang="en-GB" dirty="0"/>
-              <a:t> to </a:t>
-            </a:r>
-            <a:r>
-              <a:rPr lang="en-GB" b="1" dirty="0"/>
-              <a:t>develop</a:t>
-            </a:r>
-            <a:r>
-              <a:rPr lang="en-GB" dirty="0"/>
-              <a:t> your </a:t>
-            </a:r>
-            <a:r>
-              <a:rPr lang="en-GB" b="1" dirty="0"/>
-              <a:t>skills</a:t>
+              <a:t>It will provide a vision for the team</a:t>
             </a:r>
           </a:p>
           <a:p>
             <a:pPr lvl="1"/>
             <a:r>
               <a:rPr lang="en-GB" dirty="0"/>
-              <a:t>With formative feedback from your tutors, you begin to build your game using </a:t>
-            </a:r>
-            <a:r>
-              <a:rPr lang="en-GB" b="1" dirty="0"/>
-              <a:t>Agile</a:t>
-            </a:r>
-            <a:r>
-              <a:rPr lang="en-GB" dirty="0"/>
-              <a:t> and </a:t>
-            </a:r>
-            <a:r>
-              <a:rPr lang="en-GB" b="1" dirty="0"/>
-              <a:t>iterative</a:t>
-            </a:r>
-            <a:r>
-              <a:rPr lang="en-GB" dirty="0"/>
-              <a:t> methods</a:t>
-            </a:r>
-          </a:p>
-          <a:p>
-            <a:pPr lvl="1"/>
-            <a:endParaRPr lang="en-GB" dirty="0"/>
+              <a:t>It will set out the kind of games you want to make</a:t>
+            </a:r>
           </a:p>
         </p:txBody>
       </p:sp>
@@ -3820,10 +5022,10 @@
       </p:grpSpPr>
       <p:sp>
         <p:nvSpPr>
-          <p:cNvPr id="2" name="Content Placeholder 1">
+          <p:cNvPr id="2" name="Title 1">
             <a:extLst>
               <a:ext uri="{FF2B5EF4-FFF2-40B4-BE49-F238E27FC236}">
-                <a16:creationId xmlns:a16="http://schemas.microsoft.com/office/drawing/2014/main" id="{F146B77E-7F09-467A-8E15-D5A11048F64A}"/>
+                <a16:creationId xmlns:a16="http://schemas.microsoft.com/office/drawing/2014/main" id="{7EC754D0-CDD9-4AC6-BB91-40332CCE2471}"/>
               </a:ext>
             </a:extLst>
           </p:cNvPr>
@@ -3831,78 +5033,35 @@
             <a:spLocks noGrp="1"/>
           </p:cNvSpPr>
           <p:nvPr>
-            <p:ph idx="1"/>
-          </p:nvPr>
-        </p:nvSpPr>
-        <p:spPr/>
+            <p:ph type="title"/>
+          </p:nvPr>
+        </p:nvSpPr>
+        <p:spPr>
+          <a:xfrm>
+            <a:off x="445974" y="843707"/>
+            <a:ext cx="8229600" cy="634082"/>
+          </a:xfrm>
+          <a:prstGeom prst="rect">
+            <a:avLst/>
+          </a:prstGeom>
+        </p:spPr>
         <p:txBody>
           <a:bodyPr/>
           <a:lstStyle/>
           <a:p>
             <a:r>
               <a:rPr lang="en-GB" dirty="0"/>
-              <a:t>Cerny Method</a:t>
-            </a:r>
-          </a:p>
-          <a:p>
-            <a:pPr lvl="1"/>
-            <a:r>
-              <a:rPr lang="en-GB" dirty="0">
-                <a:hlinkClick r:id="rId2"/>
-              </a:rPr>
-              <a:t>https://www.youtube.com/watch?v=QOAW9ioWAvE</a:t>
-            </a:r>
-            <a:r>
-              <a:rPr lang="en-GB" dirty="0"/>
-              <a:t> </a:t>
-            </a:r>
-          </a:p>
-          <a:p>
-            <a:r>
-              <a:rPr lang="en-GB" dirty="0"/>
-              <a:t>Pre-production of Resident Evil 7</a:t>
-            </a:r>
-          </a:p>
-          <a:p>
-            <a:pPr lvl="1"/>
-            <a:r>
-              <a:rPr lang="en-GB" dirty="0">
-                <a:hlinkClick r:id="rId3"/>
-              </a:rPr>
-              <a:t>https://www.youtube.com/watch?v=gWpKYR0conM</a:t>
-            </a:r>
-            <a:r>
-              <a:rPr lang="en-GB" dirty="0"/>
-              <a:t> </a:t>
-            </a:r>
-          </a:p>
-          <a:p>
-            <a:r>
-              <a:rPr lang="en-GB" dirty="0"/>
-              <a:t>Art of Pre-Production</a:t>
-            </a:r>
-          </a:p>
-          <a:p>
-            <a:pPr lvl="1"/>
-            <a:r>
-              <a:rPr lang="en-GB" dirty="0">
-                <a:hlinkClick r:id="rId4"/>
-              </a:rPr>
-              <a:t>https://www.youtube.com/watch?v=s2u4jhpZkTQ</a:t>
-            </a:r>
-            <a:endParaRPr lang="en-GB" dirty="0"/>
-          </a:p>
-          <a:p>
-            <a:endParaRPr lang="en-GB" dirty="0"/>
-          </a:p>
-        </p:txBody>
-      </p:sp>
-      <p:sp>
-        <p:nvSpPr>
-          <p:cNvPr id="3" name="Title 2">
+              <a:t>What is a Manifestos?</a:t>
+            </a:r>
+          </a:p>
+        </p:txBody>
+      </p:sp>
+      <p:sp>
+        <p:nvSpPr>
+          <p:cNvPr id="3" name="Content Placeholder 2">
             <a:extLst>
               <a:ext uri="{FF2B5EF4-FFF2-40B4-BE49-F238E27FC236}">
-                <a16:creationId xmlns:a16="http://schemas.microsoft.com/office/drawing/2014/main" id="{260986A6-6422-4C7E-AB14-37770639B5ED}"/>
+                <a16:creationId xmlns:a16="http://schemas.microsoft.com/office/drawing/2014/main" id="{ACFFD619-30C6-4E06-AA2D-409CA65FC6C2}"/>
               </a:ext>
             </a:extLst>
           </p:cNvPr>
@@ -3910,17 +5069,31 @@
             <a:spLocks noGrp="1"/>
           </p:cNvSpPr>
           <p:nvPr>
-            <p:ph type="title"/>
+            <p:ph idx="1"/>
           </p:nvPr>
         </p:nvSpPr>
         <p:spPr/>
         <p:txBody>
-          <a:bodyPr/>
+          <a:bodyPr>
+            <a:normAutofit/>
+          </a:bodyPr>
           <a:lstStyle/>
           <a:p>
             <a:r>
               <a:rPr lang="en-GB" dirty="0"/>
-              <a:t>Resources 1</a:t>
+              <a:t>A manifesto is a declaration of intentions, motives or views</a:t>
+            </a:r>
+          </a:p>
+          <a:p>
+            <a:r>
+              <a:rPr lang="en-GB" dirty="0"/>
+              <a:t>Typically a manifesto is published by political parties to state their ideology and policies for Government</a:t>
+            </a:r>
+          </a:p>
+          <a:p>
+            <a:r>
+              <a:rPr lang="en-GB" dirty="0"/>
+              <a:t>These are usually hashed out via some sort of democratic party process</a:t>
             </a:r>
           </a:p>
         </p:txBody>
@@ -3928,7 +5101,852 @@
     </p:spTree>
     <p:extLst>
       <p:ext uri="{BB962C8B-B14F-4D97-AF65-F5344CB8AC3E}">
-        <p14:creationId xmlns:p14="http://schemas.microsoft.com/office/powerpoint/2010/main" val="1462394742"/>
+        <p14:creationId xmlns:p14="http://schemas.microsoft.com/office/powerpoint/2010/main" val="1029464709"/>
+      </p:ext>
+    </p:extLst>
+  </p:cSld>
+  <p:clrMapOvr>
+    <a:masterClrMapping/>
+  </p:clrMapOvr>
+</p:sld>
+</file>
+
+<file path=ppt/slides/slide4.xml><?xml version="1.0" encoding="utf-8"?>
+<p:sld xmlns:a="http://schemas.openxmlformats.org/drawingml/2006/main" xmlns:r="http://schemas.openxmlformats.org/officeDocument/2006/relationships" xmlns:p="http://schemas.openxmlformats.org/presentationml/2006/main">
+  <p:cSld>
+    <p:spTree>
+      <p:nvGrpSpPr>
+        <p:cNvPr id="1" name=""/>
+        <p:cNvGrpSpPr/>
+        <p:nvPr/>
+      </p:nvGrpSpPr>
+      <p:grpSpPr>
+        <a:xfrm>
+          <a:off x="0" y="0"/>
+          <a:ext cx="0" cy="0"/>
+          <a:chOff x="0" y="0"/>
+          <a:chExt cx="0" cy="0"/>
+        </a:xfrm>
+      </p:grpSpPr>
+      <p:sp>
+        <p:nvSpPr>
+          <p:cNvPr id="2" name="Title 1">
+            <a:extLst>
+              <a:ext uri="{FF2B5EF4-FFF2-40B4-BE49-F238E27FC236}">
+                <a16:creationId xmlns:a16="http://schemas.microsoft.com/office/drawing/2014/main" id="{7EC754D0-CDD9-4AC6-BB91-40332CCE2471}"/>
+              </a:ext>
+            </a:extLst>
+          </p:cNvPr>
+          <p:cNvSpPr>
+            <a:spLocks noGrp="1"/>
+          </p:cNvSpPr>
+          <p:nvPr>
+            <p:ph type="title"/>
+          </p:nvPr>
+        </p:nvSpPr>
+        <p:spPr>
+          <a:xfrm>
+            <a:off x="445974" y="843707"/>
+            <a:ext cx="8229600" cy="634082"/>
+          </a:xfrm>
+          <a:prstGeom prst="rect">
+            <a:avLst/>
+          </a:prstGeom>
+        </p:spPr>
+        <p:txBody>
+          <a:bodyPr/>
+          <a:lstStyle/>
+          <a:p>
+            <a:r>
+              <a:rPr lang="en-GB" dirty="0"/>
+              <a:t>Political Manifesto</a:t>
+            </a:r>
+          </a:p>
+        </p:txBody>
+      </p:sp>
+      <p:sp>
+        <p:nvSpPr>
+          <p:cNvPr id="5" name="Content Placeholder 4">
+            <a:extLst>
+              <a:ext uri="{FF2B5EF4-FFF2-40B4-BE49-F238E27FC236}">
+                <a16:creationId xmlns:a16="http://schemas.microsoft.com/office/drawing/2014/main" id="{7E358F6E-78B9-4CA5-A732-2C5B4BA9513A}"/>
+              </a:ext>
+            </a:extLst>
+          </p:cNvPr>
+          <p:cNvSpPr>
+            <a:spLocks noGrp="1"/>
+          </p:cNvSpPr>
+          <p:nvPr>
+            <p:ph idx="1"/>
+          </p:nvPr>
+        </p:nvSpPr>
+        <p:spPr>
+          <a:xfrm>
+            <a:off x="457200" y="5805264"/>
+            <a:ext cx="8229600" cy="936104"/>
+          </a:xfrm>
+        </p:spPr>
+        <p:txBody>
+          <a:bodyPr>
+            <a:normAutofit lnSpcReduction="10000"/>
+          </a:bodyPr>
+          <a:lstStyle/>
+          <a:p>
+            <a:pPr marL="0" indent="0">
+              <a:buNone/>
+            </a:pPr>
+            <a:r>
+              <a:rPr lang="en-GB" sz="2000" dirty="0">
+                <a:hlinkClick r:id="rId3"/>
+              </a:rPr>
+              <a:t>https://www.greenparty.ie/wp-content/uploads/2020/01/GREEN_PARTY_TOWARDS_2030-WEB-VERSION.pdf</a:t>
+            </a:r>
+            <a:r>
+              <a:rPr lang="en-GB" sz="2000" dirty="0"/>
+              <a:t> </a:t>
+            </a:r>
+          </a:p>
+        </p:txBody>
+      </p:sp>
+      <p:pic>
+        <p:nvPicPr>
+          <p:cNvPr id="7" name="Picture 6">
+            <a:extLst>
+              <a:ext uri="{FF2B5EF4-FFF2-40B4-BE49-F238E27FC236}">
+                <a16:creationId xmlns:a16="http://schemas.microsoft.com/office/drawing/2014/main" id="{7AC2CE91-D1F3-4EDC-BA22-9E5B3E296BA7}"/>
+              </a:ext>
+            </a:extLst>
+          </p:cNvPr>
+          <p:cNvPicPr>
+            <a:picLocks noChangeAspect="1"/>
+          </p:cNvPicPr>
+          <p:nvPr/>
+        </p:nvPicPr>
+        <p:blipFill>
+          <a:blip r:embed="rId4"/>
+          <a:stretch>
+            <a:fillRect/>
+          </a:stretch>
+        </p:blipFill>
+        <p:spPr>
+          <a:xfrm>
+            <a:off x="179513" y="1865834"/>
+            <a:ext cx="2251788" cy="3003326"/>
+          </a:xfrm>
+          <a:prstGeom prst="rect">
+            <a:avLst/>
+          </a:prstGeom>
+        </p:spPr>
+      </p:pic>
+      <p:pic>
+        <p:nvPicPr>
+          <p:cNvPr id="11" name="Picture 10">
+            <a:extLst>
+              <a:ext uri="{FF2B5EF4-FFF2-40B4-BE49-F238E27FC236}">
+                <a16:creationId xmlns:a16="http://schemas.microsoft.com/office/drawing/2014/main" id="{FD2E5DE1-FD2B-47E3-A860-3DE59E1F2720}"/>
+              </a:ext>
+            </a:extLst>
+          </p:cNvPr>
+          <p:cNvPicPr>
+            <a:picLocks noChangeAspect="1"/>
+          </p:cNvPicPr>
+          <p:nvPr/>
+        </p:nvPicPr>
+        <p:blipFill>
+          <a:blip r:embed="rId5"/>
+          <a:stretch>
+            <a:fillRect/>
+          </a:stretch>
+        </p:blipFill>
+        <p:spPr>
+          <a:xfrm>
+            <a:off x="2843808" y="2276872"/>
+            <a:ext cx="3718743" cy="2407542"/>
+          </a:xfrm>
+          <a:prstGeom prst="rect">
+            <a:avLst/>
+          </a:prstGeom>
+        </p:spPr>
+      </p:pic>
+      <p:pic>
+        <p:nvPicPr>
+          <p:cNvPr id="13" name="Picture 12">
+            <a:extLst>
+              <a:ext uri="{FF2B5EF4-FFF2-40B4-BE49-F238E27FC236}">
+                <a16:creationId xmlns:a16="http://schemas.microsoft.com/office/drawing/2014/main" id="{6912C31C-C4BF-458F-800C-3D092E6C6A19}"/>
+              </a:ext>
+            </a:extLst>
+          </p:cNvPr>
+          <p:cNvPicPr>
+            <a:picLocks noChangeAspect="1"/>
+          </p:cNvPicPr>
+          <p:nvPr/>
+        </p:nvPicPr>
+        <p:blipFill>
+          <a:blip r:embed="rId6"/>
+          <a:stretch>
+            <a:fillRect/>
+          </a:stretch>
+        </p:blipFill>
+        <p:spPr>
+          <a:xfrm>
+            <a:off x="6840573" y="1927337"/>
+            <a:ext cx="2123914" cy="3003326"/>
+          </a:xfrm>
+          <a:prstGeom prst="rect">
+            <a:avLst/>
+          </a:prstGeom>
+        </p:spPr>
+      </p:pic>
+    </p:spTree>
+    <p:extLst>
+      <p:ext uri="{BB962C8B-B14F-4D97-AF65-F5344CB8AC3E}">
+        <p14:creationId xmlns:p14="http://schemas.microsoft.com/office/powerpoint/2010/main" val="4002372028"/>
+      </p:ext>
+    </p:extLst>
+  </p:cSld>
+  <p:clrMapOvr>
+    <a:masterClrMapping/>
+  </p:clrMapOvr>
+</p:sld>
+</file>
+
+<file path=ppt/slides/slide5.xml><?xml version="1.0" encoding="utf-8"?>
+<p:sld xmlns:a="http://schemas.openxmlformats.org/drawingml/2006/main" xmlns:r="http://schemas.openxmlformats.org/officeDocument/2006/relationships" xmlns:p="http://schemas.openxmlformats.org/presentationml/2006/main">
+  <p:cSld>
+    <p:spTree>
+      <p:nvGrpSpPr>
+        <p:cNvPr id="1" name=""/>
+        <p:cNvGrpSpPr/>
+        <p:nvPr/>
+      </p:nvGrpSpPr>
+      <p:grpSpPr>
+        <a:xfrm>
+          <a:off x="0" y="0"/>
+          <a:ext cx="0" cy="0"/>
+          <a:chOff x="0" y="0"/>
+          <a:chExt cx="0" cy="0"/>
+        </a:xfrm>
+      </p:grpSpPr>
+      <p:sp>
+        <p:nvSpPr>
+          <p:cNvPr id="2" name="Title 1">
+            <a:extLst>
+              <a:ext uri="{FF2B5EF4-FFF2-40B4-BE49-F238E27FC236}">
+                <a16:creationId xmlns:a16="http://schemas.microsoft.com/office/drawing/2014/main" id="{7EC754D0-CDD9-4AC6-BB91-40332CCE2471}"/>
+              </a:ext>
+            </a:extLst>
+          </p:cNvPr>
+          <p:cNvSpPr>
+            <a:spLocks noGrp="1"/>
+          </p:cNvSpPr>
+          <p:nvPr>
+            <p:ph type="title"/>
+          </p:nvPr>
+        </p:nvSpPr>
+        <p:spPr>
+          <a:xfrm>
+            <a:off x="445974" y="843707"/>
+            <a:ext cx="8229600" cy="634082"/>
+          </a:xfrm>
+          <a:prstGeom prst="rect">
+            <a:avLst/>
+          </a:prstGeom>
+        </p:spPr>
+        <p:txBody>
+          <a:bodyPr/>
+          <a:lstStyle/>
+          <a:p>
+            <a:r>
+              <a:rPr lang="en-GB" dirty="0"/>
+              <a:t>Beyond Politics</a:t>
+            </a:r>
+          </a:p>
+        </p:txBody>
+      </p:sp>
+      <p:sp>
+        <p:nvSpPr>
+          <p:cNvPr id="3" name="Content Placeholder 2">
+            <a:extLst>
+              <a:ext uri="{FF2B5EF4-FFF2-40B4-BE49-F238E27FC236}">
+                <a16:creationId xmlns:a16="http://schemas.microsoft.com/office/drawing/2014/main" id="{ACFFD619-30C6-4E06-AA2D-409CA65FC6C2}"/>
+              </a:ext>
+            </a:extLst>
+          </p:cNvPr>
+          <p:cNvSpPr>
+            <a:spLocks noGrp="1"/>
+          </p:cNvSpPr>
+          <p:nvPr>
+            <p:ph idx="1"/>
+          </p:nvPr>
+        </p:nvSpPr>
+        <p:spPr/>
+        <p:txBody>
+          <a:bodyPr>
+            <a:normAutofit fontScale="85000" lnSpcReduction="20000"/>
+          </a:bodyPr>
+          <a:lstStyle/>
+          <a:p>
+            <a:r>
+              <a:rPr lang="en-GB" dirty="0"/>
+              <a:t>Manifestos are not only for politics</a:t>
+            </a:r>
+          </a:p>
+          <a:p>
+            <a:r>
+              <a:rPr lang="en-GB" dirty="0"/>
+              <a:t>It allows a group to state their aims, objectives and philosophies</a:t>
+            </a:r>
+          </a:p>
+          <a:p>
+            <a:r>
+              <a:rPr lang="en-GB" dirty="0"/>
+              <a:t>In Art, manifestos</a:t>
+            </a:r>
+          </a:p>
+          <a:p>
+            <a:pPr lvl="1"/>
+            <a:r>
+              <a:rPr lang="en-GB" dirty="0"/>
+              <a:t>Define and criticise an element of culture or art</a:t>
+            </a:r>
+          </a:p>
+          <a:p>
+            <a:pPr lvl="1"/>
+            <a:r>
+              <a:rPr lang="en-GB" dirty="0"/>
+              <a:t>Define a set of aesthetics to counter </a:t>
+            </a:r>
+          </a:p>
+          <a:p>
+            <a:r>
+              <a:rPr lang="en-GB" dirty="0"/>
+              <a:t>Typically we see manifesto from:</a:t>
+            </a:r>
+          </a:p>
+          <a:p>
+            <a:pPr lvl="1"/>
+            <a:r>
+              <a:rPr lang="en-GB" dirty="0"/>
+              <a:t>Political Parties</a:t>
+            </a:r>
+          </a:p>
+          <a:p>
+            <a:pPr lvl="1"/>
+            <a:r>
+              <a:rPr lang="en-GB" dirty="0"/>
+              <a:t>Artists</a:t>
+            </a:r>
+          </a:p>
+          <a:p>
+            <a:pPr lvl="1"/>
+            <a:r>
+              <a:rPr lang="en-GB" dirty="0"/>
+              <a:t>Game Developers</a:t>
+            </a:r>
+          </a:p>
+          <a:p>
+            <a:pPr lvl="1"/>
+            <a:r>
+              <a:rPr lang="en-GB" dirty="0"/>
+              <a:t>Open Source Community</a:t>
+            </a:r>
+          </a:p>
+        </p:txBody>
+      </p:sp>
+    </p:spTree>
+    <p:extLst>
+      <p:ext uri="{BB962C8B-B14F-4D97-AF65-F5344CB8AC3E}">
+        <p14:creationId xmlns:p14="http://schemas.microsoft.com/office/powerpoint/2010/main" val="2799639024"/>
+      </p:ext>
+    </p:extLst>
+  </p:cSld>
+  <p:clrMapOvr>
+    <a:masterClrMapping/>
+  </p:clrMapOvr>
+</p:sld>
+</file>
+
+<file path=ppt/slides/slide6.xml><?xml version="1.0" encoding="utf-8"?>
+<p:sld xmlns:a="http://schemas.openxmlformats.org/drawingml/2006/main" xmlns:r="http://schemas.openxmlformats.org/officeDocument/2006/relationships" xmlns:p="http://schemas.openxmlformats.org/presentationml/2006/main">
+  <p:cSld>
+    <p:spTree>
+      <p:nvGrpSpPr>
+        <p:cNvPr id="1" name=""/>
+        <p:cNvGrpSpPr/>
+        <p:nvPr/>
+      </p:nvGrpSpPr>
+      <p:grpSpPr>
+        <a:xfrm>
+          <a:off x="0" y="0"/>
+          <a:ext cx="0" cy="0"/>
+          <a:chOff x="0" y="0"/>
+          <a:chExt cx="0" cy="0"/>
+        </a:xfrm>
+      </p:grpSpPr>
+      <p:sp>
+        <p:nvSpPr>
+          <p:cNvPr id="2" name="Title 1">
+            <a:extLst>
+              <a:ext uri="{FF2B5EF4-FFF2-40B4-BE49-F238E27FC236}">
+                <a16:creationId xmlns:a16="http://schemas.microsoft.com/office/drawing/2014/main" id="{7EC754D0-CDD9-4AC6-BB91-40332CCE2471}"/>
+              </a:ext>
+            </a:extLst>
+          </p:cNvPr>
+          <p:cNvSpPr>
+            <a:spLocks noGrp="1"/>
+          </p:cNvSpPr>
+          <p:nvPr>
+            <p:ph type="title"/>
+          </p:nvPr>
+        </p:nvSpPr>
+        <p:spPr>
+          <a:xfrm>
+            <a:off x="445974" y="843707"/>
+            <a:ext cx="8229600" cy="634082"/>
+          </a:xfrm>
+          <a:prstGeom prst="rect">
+            <a:avLst/>
+          </a:prstGeom>
+        </p:spPr>
+        <p:txBody>
+          <a:bodyPr/>
+          <a:lstStyle/>
+          <a:p>
+            <a:r>
+              <a:rPr lang="en-GB" dirty="0"/>
+              <a:t>Art Manifestos</a:t>
+            </a:r>
+          </a:p>
+        </p:txBody>
+      </p:sp>
+      <p:sp>
+        <p:nvSpPr>
+          <p:cNvPr id="3" name="Content Placeholder 2">
+            <a:extLst>
+              <a:ext uri="{FF2B5EF4-FFF2-40B4-BE49-F238E27FC236}">
+                <a16:creationId xmlns:a16="http://schemas.microsoft.com/office/drawing/2014/main" id="{ACFFD619-30C6-4E06-AA2D-409CA65FC6C2}"/>
+              </a:ext>
+            </a:extLst>
+          </p:cNvPr>
+          <p:cNvSpPr>
+            <a:spLocks noGrp="1"/>
+          </p:cNvSpPr>
+          <p:nvPr>
+            <p:ph idx="1"/>
+          </p:nvPr>
+        </p:nvSpPr>
+        <p:spPr/>
+        <p:txBody>
+          <a:bodyPr>
+            <a:normAutofit/>
+          </a:bodyPr>
+          <a:lstStyle/>
+          <a:p>
+            <a:r>
+              <a:rPr lang="en-GB" dirty="0"/>
+              <a:t>The Futurist Manifesto</a:t>
+            </a:r>
+          </a:p>
+          <a:p>
+            <a:r>
+              <a:rPr lang="en-GB" dirty="0"/>
+              <a:t>On Cubism</a:t>
+            </a:r>
+          </a:p>
+          <a:p>
+            <a:r>
+              <a:rPr lang="en-GB" dirty="0"/>
+              <a:t>Dada Manifesto</a:t>
+            </a:r>
+          </a:p>
+          <a:p>
+            <a:r>
+              <a:rPr lang="en-GB" dirty="0"/>
+              <a:t>Surrealist Manifesto</a:t>
+            </a:r>
+          </a:p>
+          <a:p>
+            <a:r>
+              <a:rPr lang="en-GB" dirty="0"/>
+              <a:t>Fluxus Manifest</a:t>
+            </a:r>
+          </a:p>
+          <a:p>
+            <a:r>
+              <a:rPr lang="en-GB" dirty="0"/>
+              <a:t>Stuckist manifesto</a:t>
+            </a:r>
+          </a:p>
+        </p:txBody>
+      </p:sp>
+    </p:spTree>
+    <p:extLst>
+      <p:ext uri="{BB962C8B-B14F-4D97-AF65-F5344CB8AC3E}">
+        <p14:creationId xmlns:p14="http://schemas.microsoft.com/office/powerpoint/2010/main" val="359183327"/>
+      </p:ext>
+    </p:extLst>
+  </p:cSld>
+  <p:clrMapOvr>
+    <a:masterClrMapping/>
+  </p:clrMapOvr>
+</p:sld>
+</file>
+
+<file path=ppt/slides/slide7.xml><?xml version="1.0" encoding="utf-8"?>
+<p:sld xmlns:a="http://schemas.openxmlformats.org/drawingml/2006/main" xmlns:r="http://schemas.openxmlformats.org/officeDocument/2006/relationships" xmlns:p="http://schemas.openxmlformats.org/presentationml/2006/main">
+  <p:cSld>
+    <p:spTree>
+      <p:nvGrpSpPr>
+        <p:cNvPr id="1" name=""/>
+        <p:cNvGrpSpPr/>
+        <p:nvPr/>
+      </p:nvGrpSpPr>
+      <p:grpSpPr>
+        <a:xfrm>
+          <a:off x="0" y="0"/>
+          <a:ext cx="0" cy="0"/>
+          <a:chOff x="0" y="0"/>
+          <a:chExt cx="0" cy="0"/>
+        </a:xfrm>
+      </p:grpSpPr>
+      <p:sp>
+        <p:nvSpPr>
+          <p:cNvPr id="2" name="Title 1">
+            <a:extLst>
+              <a:ext uri="{FF2B5EF4-FFF2-40B4-BE49-F238E27FC236}">
+                <a16:creationId xmlns:a16="http://schemas.microsoft.com/office/drawing/2014/main" id="{7EC754D0-CDD9-4AC6-BB91-40332CCE2471}"/>
+              </a:ext>
+            </a:extLst>
+          </p:cNvPr>
+          <p:cNvSpPr>
+            <a:spLocks noGrp="1"/>
+          </p:cNvSpPr>
+          <p:nvPr>
+            <p:ph type="title"/>
+          </p:nvPr>
+        </p:nvSpPr>
+        <p:spPr>
+          <a:xfrm>
+            <a:off x="445974" y="843707"/>
+            <a:ext cx="8229600" cy="634082"/>
+          </a:xfrm>
+          <a:prstGeom prst="rect">
+            <a:avLst/>
+          </a:prstGeom>
+        </p:spPr>
+        <p:txBody>
+          <a:bodyPr/>
+          <a:lstStyle/>
+          <a:p>
+            <a:r>
+              <a:rPr lang="en-GB" dirty="0"/>
+              <a:t>Game Developer Manifestos</a:t>
+            </a:r>
+          </a:p>
+        </p:txBody>
+      </p:sp>
+      <p:sp>
+        <p:nvSpPr>
+          <p:cNvPr id="3" name="Content Placeholder 2">
+            <a:extLst>
+              <a:ext uri="{FF2B5EF4-FFF2-40B4-BE49-F238E27FC236}">
+                <a16:creationId xmlns:a16="http://schemas.microsoft.com/office/drawing/2014/main" id="{ACFFD619-30C6-4E06-AA2D-409CA65FC6C2}"/>
+              </a:ext>
+            </a:extLst>
+          </p:cNvPr>
+          <p:cNvSpPr>
+            <a:spLocks noGrp="1"/>
+          </p:cNvSpPr>
+          <p:nvPr>
+            <p:ph idx="1"/>
+          </p:nvPr>
+        </p:nvSpPr>
+        <p:spPr/>
+        <p:txBody>
+          <a:bodyPr>
+            <a:normAutofit/>
+          </a:bodyPr>
+          <a:lstStyle/>
+          <a:p>
+            <a:r>
+              <a:rPr lang="en-GB" dirty="0"/>
+              <a:t>Casual Game Manifesto</a:t>
+            </a:r>
+          </a:p>
+          <a:p>
+            <a:r>
+              <a:rPr lang="en-GB" dirty="0"/>
+              <a:t>Hobbyist Game Developer Manifesto</a:t>
+            </a:r>
+          </a:p>
+          <a:p>
+            <a:r>
+              <a:rPr lang="en-GB" dirty="0"/>
+              <a:t>The Suspicious Developments Manifesto</a:t>
+            </a:r>
+          </a:p>
+          <a:p>
+            <a:r>
+              <a:rPr lang="en-GB" dirty="0"/>
+              <a:t>Not a Manifesto</a:t>
+            </a:r>
+          </a:p>
+          <a:p>
+            <a:r>
+              <a:rPr lang="en-GB" dirty="0"/>
+              <a:t>Realtime Art Manifesto</a:t>
+            </a:r>
+          </a:p>
+        </p:txBody>
+      </p:sp>
+    </p:spTree>
+    <p:extLst>
+      <p:ext uri="{BB962C8B-B14F-4D97-AF65-F5344CB8AC3E}">
+        <p14:creationId xmlns:p14="http://schemas.microsoft.com/office/powerpoint/2010/main" val="2199979126"/>
+      </p:ext>
+    </p:extLst>
+  </p:cSld>
+  <p:clrMapOvr>
+    <a:masterClrMapping/>
+  </p:clrMapOvr>
+</p:sld>
+</file>
+
+<file path=ppt/slides/slide8.xml><?xml version="1.0" encoding="utf-8"?>
+<p:sld xmlns:a="http://schemas.openxmlformats.org/drawingml/2006/main" xmlns:r="http://schemas.openxmlformats.org/officeDocument/2006/relationships" xmlns:p="http://schemas.openxmlformats.org/presentationml/2006/main">
+  <p:cSld>
+    <p:spTree>
+      <p:nvGrpSpPr>
+        <p:cNvPr id="1" name=""/>
+        <p:cNvGrpSpPr/>
+        <p:nvPr/>
+      </p:nvGrpSpPr>
+      <p:grpSpPr>
+        <a:xfrm>
+          <a:off x="0" y="0"/>
+          <a:ext cx="0" cy="0"/>
+          <a:chOff x="0" y="0"/>
+          <a:chExt cx="0" cy="0"/>
+        </a:xfrm>
+      </p:grpSpPr>
+      <p:sp>
+        <p:nvSpPr>
+          <p:cNvPr id="2" name="Title 1">
+            <a:extLst>
+              <a:ext uri="{FF2B5EF4-FFF2-40B4-BE49-F238E27FC236}">
+                <a16:creationId xmlns:a16="http://schemas.microsoft.com/office/drawing/2014/main" id="{7EC754D0-CDD9-4AC6-BB91-40332CCE2471}"/>
+              </a:ext>
+            </a:extLst>
+          </p:cNvPr>
+          <p:cNvSpPr>
+            <a:spLocks noGrp="1"/>
+          </p:cNvSpPr>
+          <p:nvPr>
+            <p:ph type="title"/>
+          </p:nvPr>
+        </p:nvSpPr>
+        <p:spPr>
+          <a:xfrm>
+            <a:off x="445974" y="843707"/>
+            <a:ext cx="8229600" cy="634082"/>
+          </a:xfrm>
+          <a:prstGeom prst="rect">
+            <a:avLst/>
+          </a:prstGeom>
+        </p:spPr>
+        <p:txBody>
+          <a:bodyPr/>
+          <a:lstStyle/>
+          <a:p>
+            <a:r>
+              <a:rPr lang="en-GB" dirty="0"/>
+              <a:t>Other Manifestos</a:t>
+            </a:r>
+          </a:p>
+        </p:txBody>
+      </p:sp>
+      <p:sp>
+        <p:nvSpPr>
+          <p:cNvPr id="3" name="Content Placeholder 2">
+            <a:extLst>
+              <a:ext uri="{FF2B5EF4-FFF2-40B4-BE49-F238E27FC236}">
+                <a16:creationId xmlns:a16="http://schemas.microsoft.com/office/drawing/2014/main" id="{ACFFD619-30C6-4E06-AA2D-409CA65FC6C2}"/>
+              </a:ext>
+            </a:extLst>
+          </p:cNvPr>
+          <p:cNvSpPr>
+            <a:spLocks noGrp="1"/>
+          </p:cNvSpPr>
+          <p:nvPr>
+            <p:ph idx="1"/>
+          </p:nvPr>
+        </p:nvSpPr>
+        <p:spPr/>
+        <p:txBody>
+          <a:bodyPr>
+            <a:normAutofit/>
+          </a:bodyPr>
+          <a:lstStyle/>
+          <a:p>
+            <a:r>
+              <a:rPr lang="en-GB" dirty="0"/>
+              <a:t>Dogma 95</a:t>
+            </a:r>
+          </a:p>
+          <a:p>
+            <a:r>
+              <a:rPr lang="en-GB" dirty="0"/>
+              <a:t>Hacker Manifesto</a:t>
+            </a:r>
+          </a:p>
+          <a:p>
+            <a:r>
+              <a:rPr lang="en-GB" dirty="0"/>
+              <a:t>Manifesto for Agile Software Development</a:t>
+            </a:r>
+          </a:p>
+          <a:p>
+            <a:r>
+              <a:rPr lang="en-GB" dirty="0"/>
+              <a:t>Software Craftsmanship Manifesto</a:t>
+            </a:r>
+          </a:p>
+          <a:p>
+            <a:r>
+              <a:rPr lang="en-GB" dirty="0"/>
+              <a:t>The GNU Manifesto</a:t>
+            </a:r>
+          </a:p>
+          <a:p>
+            <a:endParaRPr lang="en-GB" dirty="0"/>
+          </a:p>
+        </p:txBody>
+      </p:sp>
+    </p:spTree>
+    <p:extLst>
+      <p:ext uri="{BB962C8B-B14F-4D97-AF65-F5344CB8AC3E}">
+        <p14:creationId xmlns:p14="http://schemas.microsoft.com/office/powerpoint/2010/main" val="2914976263"/>
+      </p:ext>
+    </p:extLst>
+  </p:cSld>
+  <p:clrMapOvr>
+    <a:masterClrMapping/>
+  </p:clrMapOvr>
+</p:sld>
+</file>
+
+<file path=ppt/slides/slide9.xml><?xml version="1.0" encoding="utf-8"?>
+<p:sld xmlns:a="http://schemas.openxmlformats.org/drawingml/2006/main" xmlns:r="http://schemas.openxmlformats.org/officeDocument/2006/relationships" xmlns:p="http://schemas.openxmlformats.org/presentationml/2006/main">
+  <p:cSld>
+    <p:spTree>
+      <p:nvGrpSpPr>
+        <p:cNvPr id="1" name=""/>
+        <p:cNvGrpSpPr/>
+        <p:nvPr/>
+      </p:nvGrpSpPr>
+      <p:grpSpPr>
+        <a:xfrm>
+          <a:off x="0" y="0"/>
+          <a:ext cx="0" cy="0"/>
+          <a:chOff x="0" y="0"/>
+          <a:chExt cx="0" cy="0"/>
+        </a:xfrm>
+      </p:grpSpPr>
+      <p:sp>
+        <p:nvSpPr>
+          <p:cNvPr id="2" name="Title 1">
+            <a:extLst>
+              <a:ext uri="{FF2B5EF4-FFF2-40B4-BE49-F238E27FC236}">
+                <a16:creationId xmlns:a16="http://schemas.microsoft.com/office/drawing/2014/main" id="{7EC754D0-CDD9-4AC6-BB91-40332CCE2471}"/>
+              </a:ext>
+            </a:extLst>
+          </p:cNvPr>
+          <p:cNvSpPr>
+            <a:spLocks noGrp="1"/>
+          </p:cNvSpPr>
+          <p:nvPr>
+            <p:ph type="title"/>
+          </p:nvPr>
+        </p:nvSpPr>
+        <p:spPr>
+          <a:xfrm>
+            <a:off x="445974" y="843707"/>
+            <a:ext cx="8229600" cy="634082"/>
+          </a:xfrm>
+          <a:prstGeom prst="rect">
+            <a:avLst/>
+          </a:prstGeom>
+        </p:spPr>
+        <p:txBody>
+          <a:bodyPr/>
+          <a:lstStyle/>
+          <a:p>
+            <a:r>
+              <a:rPr lang="en-GB" dirty="0"/>
+              <a:t>Manifesto Tips</a:t>
+            </a:r>
+          </a:p>
+        </p:txBody>
+      </p:sp>
+      <p:sp>
+        <p:nvSpPr>
+          <p:cNvPr id="3" name="Content Placeholder 2">
+            <a:extLst>
+              <a:ext uri="{FF2B5EF4-FFF2-40B4-BE49-F238E27FC236}">
+                <a16:creationId xmlns:a16="http://schemas.microsoft.com/office/drawing/2014/main" id="{ACFFD619-30C6-4E06-AA2D-409CA65FC6C2}"/>
+              </a:ext>
+            </a:extLst>
+          </p:cNvPr>
+          <p:cNvSpPr>
+            <a:spLocks noGrp="1"/>
+          </p:cNvSpPr>
+          <p:nvPr>
+            <p:ph idx="1"/>
+          </p:nvPr>
+        </p:nvSpPr>
+        <p:spPr/>
+        <p:txBody>
+          <a:bodyPr>
+            <a:normAutofit/>
+          </a:bodyPr>
+          <a:lstStyle/>
+          <a:p>
+            <a:r>
+              <a:rPr lang="en-GB" dirty="0"/>
+              <a:t>Give a name to your movement or group</a:t>
+            </a:r>
+          </a:p>
+          <a:p>
+            <a:r>
+              <a:rPr lang="en-GB" dirty="0"/>
+              <a:t>Give preamble which is ‘against something’ or attacks the norm</a:t>
+            </a:r>
+          </a:p>
+          <a:p>
+            <a:r>
+              <a:rPr lang="en-GB" dirty="0"/>
+              <a:t>State your goals clearly in bullet points</a:t>
+            </a:r>
+          </a:p>
+          <a:p>
+            <a:r>
+              <a:rPr lang="en-GB" dirty="0"/>
+              <a:t>Talk about what you will do or make</a:t>
+            </a:r>
+          </a:p>
+          <a:p>
+            <a:r>
+              <a:rPr lang="en-GB" dirty="0"/>
+              <a:t>Embellish with art work</a:t>
+            </a:r>
+          </a:p>
+        </p:txBody>
+      </p:sp>
+    </p:spTree>
+    <p:extLst>
+      <p:ext uri="{BB962C8B-B14F-4D97-AF65-F5344CB8AC3E}">
+        <p14:creationId xmlns:p14="http://schemas.microsoft.com/office/powerpoint/2010/main" val="4185670663"/>
       </p:ext>
     </p:extLst>
   </p:cSld>
